--- a/CS626-2024-Assignment3-Named-Entity-Identification-Format-Slide.pptx
+++ b/CS626-2024-Assignment3-Named-Entity-Identification-Format-Slide.pptx
@@ -5,7 +5,7 @@
     <p:sldMasterId id="2147483648" r:id="rId3"/>
   </p:sldMasterIdLst>
   <p:notesMasterIdLst>
-    <p:notesMasterId r:id="rId30"/>
+    <p:notesMasterId r:id="rId33"/>
   </p:notesMasterIdLst>
   <p:sldIdLst>
     <p:sldId id="256" r:id="rId4"/>
@@ -25,15 +25,18 @@
     <p:sldId id="273" r:id="rId18"/>
     <p:sldId id="274" r:id="rId19"/>
     <p:sldId id="265" r:id="rId20"/>
-    <p:sldId id="275" r:id="rId21"/>
-    <p:sldId id="276" r:id="rId22"/>
-    <p:sldId id="277" r:id="rId23"/>
-    <p:sldId id="278" r:id="rId24"/>
-    <p:sldId id="279" r:id="rId25"/>
-    <p:sldId id="266" r:id="rId26"/>
-    <p:sldId id="280" r:id="rId27"/>
-    <p:sldId id="281" r:id="rId28"/>
-    <p:sldId id="267" r:id="rId29"/>
+    <p:sldId id="284" r:id="rId21"/>
+    <p:sldId id="285" r:id="rId22"/>
+    <p:sldId id="275" r:id="rId23"/>
+    <p:sldId id="283" r:id="rId24"/>
+    <p:sldId id="276" r:id="rId25"/>
+    <p:sldId id="277" r:id="rId26"/>
+    <p:sldId id="278" r:id="rId27"/>
+    <p:sldId id="279" r:id="rId28"/>
+    <p:sldId id="266" r:id="rId29"/>
+    <p:sldId id="280" r:id="rId30"/>
+    <p:sldId id="281" r:id="rId31"/>
+    <p:sldId id="267" r:id="rId32"/>
   </p:sldIdLst>
   <p:sldSz cx="9144000" cy="6858000" type="screen4x3"/>
   <p:notesSz cx="7315200" cy="9601200"/>
@@ -282,7 +285,7 @@
       </p15:sldGuideLst>
     </p:ext>
     <p:ext uri="GoogleSlidesCustomDataVersion2">
-      <go:slidesCustomData xmlns="" xmlns:mc="http://schemas.openxmlformats.org/markup-compatibility/2006" xmlns:mv="urn:schemas-microsoft-com:mac:vml" xmlns:c="http://schemas.openxmlformats.org/drawingml/2006/chart" xmlns:dgm="http://schemas.openxmlformats.org/drawingml/2006/diagram" xmlns:o="urn:schemas-microsoft-com:office:office" xmlns:v="urn:schemas-microsoft-com:vml" xmlns:pvml="urn:schemas-microsoft-com:office:powerpoint" xmlns:com="http://schemas.openxmlformats.org/drawingml/2006/compatibility" xmlns:p14="http://schemas.microsoft.com/office/powerpoint/2010/main" xmlns:p15="http://schemas.microsoft.com/office/powerpoint/2012/main" xmlns:ahyp="http://schemas.microsoft.com/office/drawing/2018/hyperlinkcolor" xmlns:go="http://customooxmlschemas.google.com/" r:id="rId31" roundtripDataSignature="AMtx7mhLi2339G8bTHVU0XhGOuNEHkzCJQ=="/>
+      <go:slidesCustomData xmlns:go="http://customooxmlschemas.google.com/" xmlns:ahyp="http://schemas.microsoft.com/office/drawing/2018/hyperlinkcolor" xmlns:p15="http://schemas.microsoft.com/office/powerpoint/2012/main" xmlns:p14="http://schemas.microsoft.com/office/powerpoint/2010/main" xmlns:com="http://schemas.openxmlformats.org/drawingml/2006/compatibility" xmlns:pvml="urn:schemas-microsoft-com:office:powerpoint" xmlns:v="urn:schemas-microsoft-com:vml" xmlns:o="urn:schemas-microsoft-com:office:office" xmlns:dgm="http://schemas.openxmlformats.org/drawingml/2006/diagram" xmlns:c="http://schemas.openxmlformats.org/drawingml/2006/chart" xmlns:mv="urn:schemas-microsoft-com:mac:vml" xmlns:mc="http://schemas.openxmlformats.org/markup-compatibility/2006" xmlns="" r:id="rId34" roundtripDataSignature="AMtx7mhLi2339G8bTHVU0XhGOuNEHkzCJQ=="/>
     </p:ext>
   </p:extLst>
 </p:presentation>
@@ -3029,6 +3032,418 @@
         <p:cNvPr id="1" name="Shape 101">
           <a:extLst>
             <a:ext uri="{FF2B5EF4-FFF2-40B4-BE49-F238E27FC236}">
+              <a16:creationId xmlns:a16="http://schemas.microsoft.com/office/drawing/2014/main" id="{394077AA-B997-F7E4-6DC7-7ACE3EAA2FEE}"/>
+            </a:ext>
+          </a:extLst>
+        </p:cNvPr>
+        <p:cNvGrpSpPr/>
+        <p:nvPr/>
+      </p:nvGrpSpPr>
+      <p:grpSpPr>
+        <a:xfrm>
+          <a:off x="0" y="0"/>
+          <a:ext cx="0" cy="0"/>
+          <a:chOff x="0" y="0"/>
+          <a:chExt cx="0" cy="0"/>
+        </a:xfrm>
+      </p:grpSpPr>
+      <p:sp>
+        <p:nvSpPr>
+          <p:cNvPr id="102" name="Google Shape;102;g30cbc3fc3c3_0_2:notes">
+            <a:extLst>
+              <a:ext uri="{FF2B5EF4-FFF2-40B4-BE49-F238E27FC236}">
+                <a16:creationId xmlns:a16="http://schemas.microsoft.com/office/drawing/2014/main" id="{EC34A282-2222-6B79-57BD-38A554131B09}"/>
+              </a:ext>
+            </a:extLst>
+          </p:cNvPr>
+          <p:cNvSpPr txBox="1">
+            <a:spLocks noGrp="1"/>
+          </p:cNvSpPr>
+          <p:nvPr>
+            <p:ph type="body" idx="1"/>
+          </p:nvPr>
+        </p:nvSpPr>
+        <p:spPr>
+          <a:xfrm>
+            <a:off x="731838" y="4560888"/>
+            <a:ext cx="5851500" cy="4319700"/>
+          </a:xfrm>
+          <a:prstGeom prst="rect">
+            <a:avLst/>
+          </a:prstGeom>
+          <a:noFill/>
+          <a:ln>
+            <a:noFill/>
+          </a:ln>
+        </p:spPr>
+        <p:txBody>
+          <a:bodyPr spcFirstLastPara="1" wrap="square" lIns="96650" tIns="48325" rIns="96650" bIns="48325" anchor="t" anchorCtr="0">
+            <a:noAutofit/>
+          </a:bodyPr>
+          <a:lstStyle/>
+          <a:p>
+            <a:pPr marL="0" lvl="0" indent="0" algn="l" rtl="0">
+              <a:lnSpc>
+                <a:spcPct val="100000"/>
+              </a:lnSpc>
+              <a:spcBef>
+                <a:spcPts val="360"/>
+              </a:spcBef>
+              <a:spcAft>
+                <a:spcPts val="0"/>
+              </a:spcAft>
+              <a:buSzPts val="1400"/>
+              <a:buNone/>
+            </a:pPr>
+            <a:endParaRPr/>
+          </a:p>
+        </p:txBody>
+      </p:sp>
+      <p:sp>
+        <p:nvSpPr>
+          <p:cNvPr id="103" name="Google Shape;103;g30cbc3fc3c3_0_2:notes">
+            <a:extLst>
+              <a:ext uri="{FF2B5EF4-FFF2-40B4-BE49-F238E27FC236}">
+                <a16:creationId xmlns:a16="http://schemas.microsoft.com/office/drawing/2014/main" id="{252CA621-2DB4-9369-54F3-6EE93869FEC4}"/>
+              </a:ext>
+            </a:extLst>
+          </p:cNvPr>
+          <p:cNvSpPr>
+            <a:spLocks noGrp="1" noRot="1" noChangeAspect="1"/>
+          </p:cNvSpPr>
+          <p:nvPr>
+            <p:ph type="sldImg" idx="2"/>
+          </p:nvPr>
+        </p:nvSpPr>
+        <p:spPr>
+          <a:xfrm>
+            <a:off x="1257300" y="720725"/>
+            <a:ext cx="4800600" cy="3600450"/>
+          </a:xfrm>
+          <a:custGeom>
+            <a:avLst/>
+            <a:gdLst/>
+            <a:ahLst/>
+            <a:cxnLst/>
+            <a:rect l="l" t="t" r="r" b="b"/>
+            <a:pathLst>
+              <a:path w="120000" h="120000" extrusionOk="0">
+                <a:moveTo>
+                  <a:pt x="0" y="0"/>
+                </a:moveTo>
+                <a:lnTo>
+                  <a:pt x="120000" y="0"/>
+                </a:lnTo>
+                <a:lnTo>
+                  <a:pt x="120000" y="120000"/>
+                </a:lnTo>
+                <a:lnTo>
+                  <a:pt x="0" y="120000"/>
+                </a:lnTo>
+                <a:close/>
+              </a:path>
+            </a:pathLst>
+          </a:custGeom>
+          <a:noFill/>
+          <a:ln w="9525" cap="flat" cmpd="sng">
+            <a:solidFill>
+              <a:srgbClr val="000000"/>
+            </a:solidFill>
+            <a:prstDash val="solid"/>
+            <a:miter lim="800000"/>
+            <a:headEnd type="none" w="sm" len="sm"/>
+            <a:tailEnd type="none" w="sm" len="sm"/>
+          </a:ln>
+        </p:spPr>
+      </p:sp>
+    </p:spTree>
+    <p:extLst>
+      <p:ext uri="{BB962C8B-B14F-4D97-AF65-F5344CB8AC3E}">
+        <p14:creationId xmlns:p14="http://schemas.microsoft.com/office/powerpoint/2010/main" val="1572386873"/>
+      </p:ext>
+    </p:extLst>
+  </p:cSld>
+  <p:clrMapOvr>
+    <a:masterClrMapping/>
+  </p:clrMapOvr>
+</p:notes>
+</file>
+
+<file path=ppt/notesSlides/notesSlide19.xml><?xml version="1.0" encoding="utf-8"?>
+<p:notes xmlns:a="http://schemas.openxmlformats.org/drawingml/2006/main" xmlns:r="http://schemas.openxmlformats.org/officeDocument/2006/relationships" xmlns:p="http://schemas.openxmlformats.org/presentationml/2006/main" showMasterSp="0" showMasterPhAnim="0">
+  <p:cSld>
+    <p:spTree>
+      <p:nvGrpSpPr>
+        <p:cNvPr id="1" name="Shape 101">
+          <a:extLst>
+            <a:ext uri="{FF2B5EF4-FFF2-40B4-BE49-F238E27FC236}">
+              <a16:creationId xmlns:a16="http://schemas.microsoft.com/office/drawing/2014/main" id="{209E5E96-3C8D-6E5F-68C9-A0EEA502D6B8}"/>
+            </a:ext>
+          </a:extLst>
+        </p:cNvPr>
+        <p:cNvGrpSpPr/>
+        <p:nvPr/>
+      </p:nvGrpSpPr>
+      <p:grpSpPr>
+        <a:xfrm>
+          <a:off x="0" y="0"/>
+          <a:ext cx="0" cy="0"/>
+          <a:chOff x="0" y="0"/>
+          <a:chExt cx="0" cy="0"/>
+        </a:xfrm>
+      </p:grpSpPr>
+      <p:sp>
+        <p:nvSpPr>
+          <p:cNvPr id="102" name="Google Shape;102;g30cbc3fc3c3_0_2:notes">
+            <a:extLst>
+              <a:ext uri="{FF2B5EF4-FFF2-40B4-BE49-F238E27FC236}">
+                <a16:creationId xmlns:a16="http://schemas.microsoft.com/office/drawing/2014/main" id="{A7780824-4140-654D-8257-55E11B65B786}"/>
+              </a:ext>
+            </a:extLst>
+          </p:cNvPr>
+          <p:cNvSpPr txBox="1">
+            <a:spLocks noGrp="1"/>
+          </p:cNvSpPr>
+          <p:nvPr>
+            <p:ph type="body" idx="1"/>
+          </p:nvPr>
+        </p:nvSpPr>
+        <p:spPr>
+          <a:xfrm>
+            <a:off x="731838" y="4560888"/>
+            <a:ext cx="5851500" cy="4319700"/>
+          </a:xfrm>
+          <a:prstGeom prst="rect">
+            <a:avLst/>
+          </a:prstGeom>
+          <a:noFill/>
+          <a:ln>
+            <a:noFill/>
+          </a:ln>
+        </p:spPr>
+        <p:txBody>
+          <a:bodyPr spcFirstLastPara="1" wrap="square" lIns="96650" tIns="48325" rIns="96650" bIns="48325" anchor="t" anchorCtr="0">
+            <a:noAutofit/>
+          </a:bodyPr>
+          <a:lstStyle/>
+          <a:p>
+            <a:pPr marL="0" lvl="0" indent="0" algn="l" rtl="0">
+              <a:lnSpc>
+                <a:spcPct val="100000"/>
+              </a:lnSpc>
+              <a:spcBef>
+                <a:spcPts val="360"/>
+              </a:spcBef>
+              <a:spcAft>
+                <a:spcPts val="0"/>
+              </a:spcAft>
+              <a:buSzPts val="1400"/>
+              <a:buNone/>
+            </a:pPr>
+            <a:endParaRPr/>
+          </a:p>
+        </p:txBody>
+      </p:sp>
+      <p:sp>
+        <p:nvSpPr>
+          <p:cNvPr id="103" name="Google Shape;103;g30cbc3fc3c3_0_2:notes">
+            <a:extLst>
+              <a:ext uri="{FF2B5EF4-FFF2-40B4-BE49-F238E27FC236}">
+                <a16:creationId xmlns:a16="http://schemas.microsoft.com/office/drawing/2014/main" id="{A2CDB878-08CF-0798-3628-F1B241F57E53}"/>
+              </a:ext>
+            </a:extLst>
+          </p:cNvPr>
+          <p:cNvSpPr>
+            <a:spLocks noGrp="1" noRot="1" noChangeAspect="1"/>
+          </p:cNvSpPr>
+          <p:nvPr>
+            <p:ph type="sldImg" idx="2"/>
+          </p:nvPr>
+        </p:nvSpPr>
+        <p:spPr>
+          <a:xfrm>
+            <a:off x="1257300" y="720725"/>
+            <a:ext cx="4800600" cy="3600450"/>
+          </a:xfrm>
+          <a:custGeom>
+            <a:avLst/>
+            <a:gdLst/>
+            <a:ahLst/>
+            <a:cxnLst/>
+            <a:rect l="l" t="t" r="r" b="b"/>
+            <a:pathLst>
+              <a:path w="120000" h="120000" extrusionOk="0">
+                <a:moveTo>
+                  <a:pt x="0" y="0"/>
+                </a:moveTo>
+                <a:lnTo>
+                  <a:pt x="120000" y="0"/>
+                </a:lnTo>
+                <a:lnTo>
+                  <a:pt x="120000" y="120000"/>
+                </a:lnTo>
+                <a:lnTo>
+                  <a:pt x="0" y="120000"/>
+                </a:lnTo>
+                <a:close/>
+              </a:path>
+            </a:pathLst>
+          </a:custGeom>
+          <a:noFill/>
+          <a:ln w="9525" cap="flat" cmpd="sng">
+            <a:solidFill>
+              <a:srgbClr val="000000"/>
+            </a:solidFill>
+            <a:prstDash val="solid"/>
+            <a:miter lim="800000"/>
+            <a:headEnd type="none" w="sm" len="sm"/>
+            <a:tailEnd type="none" w="sm" len="sm"/>
+          </a:ln>
+        </p:spPr>
+      </p:sp>
+    </p:spTree>
+    <p:extLst>
+      <p:ext uri="{BB962C8B-B14F-4D97-AF65-F5344CB8AC3E}">
+        <p14:creationId xmlns:p14="http://schemas.microsoft.com/office/powerpoint/2010/main" val="3574810245"/>
+      </p:ext>
+    </p:extLst>
+  </p:cSld>
+  <p:clrMapOvr>
+    <a:masterClrMapping/>
+  </p:clrMapOvr>
+</p:notes>
+</file>
+
+<file path=ppt/notesSlides/notesSlide2.xml><?xml version="1.0" encoding="utf-8"?>
+<p:notes xmlns:a="http://schemas.openxmlformats.org/drawingml/2006/main" xmlns:r="http://schemas.openxmlformats.org/officeDocument/2006/relationships" xmlns:p="http://schemas.openxmlformats.org/presentationml/2006/main" showMasterSp="0" showMasterPhAnim="0">
+  <p:cSld>
+    <p:spTree>
+      <p:nvGrpSpPr>
+        <p:cNvPr id="1" name="Shape 54"/>
+        <p:cNvGrpSpPr/>
+        <p:nvPr/>
+      </p:nvGrpSpPr>
+      <p:grpSpPr>
+        <a:xfrm>
+          <a:off x="0" y="0"/>
+          <a:ext cx="0" cy="0"/>
+          <a:chOff x="0" y="0"/>
+          <a:chExt cx="0" cy="0"/>
+        </a:xfrm>
+      </p:grpSpPr>
+      <p:sp>
+        <p:nvSpPr>
+          <p:cNvPr id="55" name="Google Shape;55;p2:notes"/>
+          <p:cNvSpPr txBox="1">
+            <a:spLocks noGrp="1"/>
+          </p:cNvSpPr>
+          <p:nvPr>
+            <p:ph type="body" idx="1"/>
+          </p:nvPr>
+        </p:nvSpPr>
+        <p:spPr>
+          <a:xfrm>
+            <a:off x="731838" y="4560888"/>
+            <a:ext cx="5851525" cy="4319587"/>
+          </a:xfrm>
+          <a:prstGeom prst="rect">
+            <a:avLst/>
+          </a:prstGeom>
+          <a:noFill/>
+          <a:ln>
+            <a:noFill/>
+          </a:ln>
+        </p:spPr>
+        <p:txBody>
+          <a:bodyPr spcFirstLastPara="1" wrap="square" lIns="96650" tIns="48325" rIns="96650" bIns="48325" anchor="t" anchorCtr="0">
+            <a:noAutofit/>
+          </a:bodyPr>
+          <a:lstStyle/>
+          <a:p>
+            <a:pPr marL="0" lvl="0" indent="0" algn="l" rtl="0">
+              <a:lnSpc>
+                <a:spcPct val="100000"/>
+              </a:lnSpc>
+              <a:spcBef>
+                <a:spcPts val="360"/>
+              </a:spcBef>
+              <a:spcAft>
+                <a:spcPts val="0"/>
+              </a:spcAft>
+              <a:buSzPts val="1400"/>
+              <a:buNone/>
+            </a:pPr>
+            <a:endParaRPr/>
+          </a:p>
+        </p:txBody>
+      </p:sp>
+      <p:sp>
+        <p:nvSpPr>
+          <p:cNvPr id="56" name="Google Shape;56;p2:notes"/>
+          <p:cNvSpPr>
+            <a:spLocks noGrp="1" noRot="1" noChangeAspect="1"/>
+          </p:cNvSpPr>
+          <p:nvPr>
+            <p:ph type="sldImg" idx="2"/>
+          </p:nvPr>
+        </p:nvSpPr>
+        <p:spPr>
+          <a:xfrm>
+            <a:off x="1257300" y="720725"/>
+            <a:ext cx="4800600" cy="3600450"/>
+          </a:xfrm>
+          <a:custGeom>
+            <a:avLst/>
+            <a:gdLst/>
+            <a:ahLst/>
+            <a:cxnLst/>
+            <a:rect l="l" t="t" r="r" b="b"/>
+            <a:pathLst>
+              <a:path w="120000" h="120000" extrusionOk="0">
+                <a:moveTo>
+                  <a:pt x="0" y="0"/>
+                </a:moveTo>
+                <a:lnTo>
+                  <a:pt x="120000" y="0"/>
+                </a:lnTo>
+                <a:lnTo>
+                  <a:pt x="120000" y="120000"/>
+                </a:lnTo>
+                <a:lnTo>
+                  <a:pt x="0" y="120000"/>
+                </a:lnTo>
+                <a:close/>
+              </a:path>
+            </a:pathLst>
+          </a:custGeom>
+          <a:noFill/>
+          <a:ln w="9525" cap="flat" cmpd="sng">
+            <a:solidFill>
+              <a:srgbClr val="000000"/>
+            </a:solidFill>
+            <a:prstDash val="solid"/>
+            <a:miter lim="800000"/>
+            <a:headEnd type="none" w="sm" len="sm"/>
+            <a:tailEnd type="none" w="sm" len="sm"/>
+          </a:ln>
+        </p:spPr>
+      </p:sp>
+    </p:spTree>
+  </p:cSld>
+  <p:clrMapOvr>
+    <a:masterClrMapping/>
+  </p:clrMapOvr>
+</p:notes>
+</file>
+
+<file path=ppt/notesSlides/notesSlide20.xml><?xml version="1.0" encoding="utf-8"?>
+<p:notes xmlns:a="http://schemas.openxmlformats.org/drawingml/2006/main" xmlns:r="http://schemas.openxmlformats.org/officeDocument/2006/relationships" xmlns:p="http://schemas.openxmlformats.org/presentationml/2006/main" showMasterSp="0" showMasterPhAnim="0">
+  <p:cSld>
+    <p:spTree>
+      <p:nvGrpSpPr>
+        <p:cNvPr id="1" name="Shape 101">
+          <a:extLst>
+            <a:ext uri="{FF2B5EF4-FFF2-40B4-BE49-F238E27FC236}">
               <a16:creationId xmlns:a16="http://schemas.microsoft.com/office/drawing/2014/main" id="{3778E796-7D6B-8AF5-3E54-39AB2E9614E0}"/>
             </a:ext>
           </a:extLst>
@@ -3166,7 +3581,152 @@
 </p:notes>
 </file>
 
-<file path=ppt/notesSlides/notesSlide19.xml><?xml version="1.0" encoding="utf-8"?>
+<file path=ppt/notesSlides/notesSlide21.xml><?xml version="1.0" encoding="utf-8"?>
+<p:notes xmlns:a="http://schemas.openxmlformats.org/drawingml/2006/main" xmlns:r="http://schemas.openxmlformats.org/officeDocument/2006/relationships" xmlns:p="http://schemas.openxmlformats.org/presentationml/2006/main" showMasterSp="0" showMasterPhAnim="0">
+  <p:cSld>
+    <p:spTree>
+      <p:nvGrpSpPr>
+        <p:cNvPr id="1" name="Shape 101">
+          <a:extLst>
+            <a:ext uri="{FF2B5EF4-FFF2-40B4-BE49-F238E27FC236}">
+              <a16:creationId xmlns:a16="http://schemas.microsoft.com/office/drawing/2014/main" id="{718BBD14-BDD1-0AD3-D444-E2C6C2CB7E28}"/>
+            </a:ext>
+          </a:extLst>
+        </p:cNvPr>
+        <p:cNvGrpSpPr/>
+        <p:nvPr/>
+      </p:nvGrpSpPr>
+      <p:grpSpPr>
+        <a:xfrm>
+          <a:off x="0" y="0"/>
+          <a:ext cx="0" cy="0"/>
+          <a:chOff x="0" y="0"/>
+          <a:chExt cx="0" cy="0"/>
+        </a:xfrm>
+      </p:grpSpPr>
+      <p:sp>
+        <p:nvSpPr>
+          <p:cNvPr id="102" name="Google Shape;102;g30cbc3fc3c3_0_2:notes">
+            <a:extLst>
+              <a:ext uri="{FF2B5EF4-FFF2-40B4-BE49-F238E27FC236}">
+                <a16:creationId xmlns:a16="http://schemas.microsoft.com/office/drawing/2014/main" id="{A5AE8A02-9B31-EA90-CACD-7DC36A3D31B0}"/>
+              </a:ext>
+            </a:extLst>
+          </p:cNvPr>
+          <p:cNvSpPr txBox="1">
+            <a:spLocks noGrp="1"/>
+          </p:cNvSpPr>
+          <p:nvPr>
+            <p:ph type="body" idx="1"/>
+          </p:nvPr>
+        </p:nvSpPr>
+        <p:spPr>
+          <a:xfrm>
+            <a:off x="731838" y="4560888"/>
+            <a:ext cx="5851500" cy="4319700"/>
+          </a:xfrm>
+          <a:prstGeom prst="rect">
+            <a:avLst/>
+          </a:prstGeom>
+          <a:noFill/>
+          <a:ln>
+            <a:noFill/>
+          </a:ln>
+        </p:spPr>
+        <p:txBody>
+          <a:bodyPr spcFirstLastPara="1" wrap="square" lIns="96650" tIns="48325" rIns="96650" bIns="48325" anchor="t" anchorCtr="0">
+            <a:noAutofit/>
+          </a:bodyPr>
+          <a:lstStyle/>
+          <a:p>
+            <a:pPr marL="0" lvl="0" indent="0" algn="l" rtl="0">
+              <a:lnSpc>
+                <a:spcPct val="100000"/>
+              </a:lnSpc>
+              <a:spcBef>
+                <a:spcPts val="360"/>
+              </a:spcBef>
+              <a:spcAft>
+                <a:spcPts val="0"/>
+              </a:spcAft>
+              <a:buSzPts val="1400"/>
+              <a:buNone/>
+            </a:pPr>
+            <a:endParaRPr/>
+          </a:p>
+        </p:txBody>
+      </p:sp>
+      <p:sp>
+        <p:nvSpPr>
+          <p:cNvPr id="103" name="Google Shape;103;g30cbc3fc3c3_0_2:notes">
+            <a:extLst>
+              <a:ext uri="{FF2B5EF4-FFF2-40B4-BE49-F238E27FC236}">
+                <a16:creationId xmlns:a16="http://schemas.microsoft.com/office/drawing/2014/main" id="{AAC85662-73A9-FA8A-320D-8F96E9D6DABC}"/>
+              </a:ext>
+            </a:extLst>
+          </p:cNvPr>
+          <p:cNvSpPr>
+            <a:spLocks noGrp="1" noRot="1" noChangeAspect="1"/>
+          </p:cNvSpPr>
+          <p:nvPr>
+            <p:ph type="sldImg" idx="2"/>
+          </p:nvPr>
+        </p:nvSpPr>
+        <p:spPr>
+          <a:xfrm>
+            <a:off x="1257300" y="720725"/>
+            <a:ext cx="4800600" cy="3600450"/>
+          </a:xfrm>
+          <a:custGeom>
+            <a:avLst/>
+            <a:gdLst/>
+            <a:ahLst/>
+            <a:cxnLst/>
+            <a:rect l="l" t="t" r="r" b="b"/>
+            <a:pathLst>
+              <a:path w="120000" h="120000" extrusionOk="0">
+                <a:moveTo>
+                  <a:pt x="0" y="0"/>
+                </a:moveTo>
+                <a:lnTo>
+                  <a:pt x="120000" y="0"/>
+                </a:lnTo>
+                <a:lnTo>
+                  <a:pt x="120000" y="120000"/>
+                </a:lnTo>
+                <a:lnTo>
+                  <a:pt x="0" y="120000"/>
+                </a:lnTo>
+                <a:close/>
+              </a:path>
+            </a:pathLst>
+          </a:custGeom>
+          <a:noFill/>
+          <a:ln w="9525" cap="flat" cmpd="sng">
+            <a:solidFill>
+              <a:srgbClr val="000000"/>
+            </a:solidFill>
+            <a:prstDash val="solid"/>
+            <a:miter lim="800000"/>
+            <a:headEnd type="none" w="sm" len="sm"/>
+            <a:tailEnd type="none" w="sm" len="sm"/>
+          </a:ln>
+        </p:spPr>
+      </p:sp>
+    </p:spTree>
+    <p:extLst>
+      <p:ext uri="{BB962C8B-B14F-4D97-AF65-F5344CB8AC3E}">
+        <p14:creationId xmlns:p14="http://schemas.microsoft.com/office/powerpoint/2010/main" val="3768895750"/>
+      </p:ext>
+    </p:extLst>
+  </p:cSld>
+  <p:clrMapOvr>
+    <a:masterClrMapping/>
+  </p:clrMapOvr>
+</p:notes>
+</file>
+
+<file path=ppt/notesSlides/notesSlide22.xml><?xml version="1.0" encoding="utf-8"?>
 <p:notes xmlns:a="http://schemas.openxmlformats.org/drawingml/2006/main" xmlns:r="http://schemas.openxmlformats.org/officeDocument/2006/relationships" xmlns:p="http://schemas.openxmlformats.org/presentationml/2006/main" showMasterSp="0" showMasterPhAnim="0">
   <p:cSld>
     <p:spTree>
@@ -3311,129 +3871,7 @@
 </p:notes>
 </file>
 
-<file path=ppt/notesSlides/notesSlide2.xml><?xml version="1.0" encoding="utf-8"?>
-<p:notes xmlns:a="http://schemas.openxmlformats.org/drawingml/2006/main" xmlns:r="http://schemas.openxmlformats.org/officeDocument/2006/relationships" xmlns:p="http://schemas.openxmlformats.org/presentationml/2006/main" showMasterSp="0" showMasterPhAnim="0">
-  <p:cSld>
-    <p:spTree>
-      <p:nvGrpSpPr>
-        <p:cNvPr id="1" name="Shape 54"/>
-        <p:cNvGrpSpPr/>
-        <p:nvPr/>
-      </p:nvGrpSpPr>
-      <p:grpSpPr>
-        <a:xfrm>
-          <a:off x="0" y="0"/>
-          <a:ext cx="0" cy="0"/>
-          <a:chOff x="0" y="0"/>
-          <a:chExt cx="0" cy="0"/>
-        </a:xfrm>
-      </p:grpSpPr>
-      <p:sp>
-        <p:nvSpPr>
-          <p:cNvPr id="55" name="Google Shape;55;p2:notes"/>
-          <p:cNvSpPr txBox="1">
-            <a:spLocks noGrp="1"/>
-          </p:cNvSpPr>
-          <p:nvPr>
-            <p:ph type="body" idx="1"/>
-          </p:nvPr>
-        </p:nvSpPr>
-        <p:spPr>
-          <a:xfrm>
-            <a:off x="731838" y="4560888"/>
-            <a:ext cx="5851525" cy="4319587"/>
-          </a:xfrm>
-          <a:prstGeom prst="rect">
-            <a:avLst/>
-          </a:prstGeom>
-          <a:noFill/>
-          <a:ln>
-            <a:noFill/>
-          </a:ln>
-        </p:spPr>
-        <p:txBody>
-          <a:bodyPr spcFirstLastPara="1" wrap="square" lIns="96650" tIns="48325" rIns="96650" bIns="48325" anchor="t" anchorCtr="0">
-            <a:noAutofit/>
-          </a:bodyPr>
-          <a:lstStyle/>
-          <a:p>
-            <a:pPr marL="0" lvl="0" indent="0" algn="l" rtl="0">
-              <a:lnSpc>
-                <a:spcPct val="100000"/>
-              </a:lnSpc>
-              <a:spcBef>
-                <a:spcPts val="360"/>
-              </a:spcBef>
-              <a:spcAft>
-                <a:spcPts val="0"/>
-              </a:spcAft>
-              <a:buSzPts val="1400"/>
-              <a:buNone/>
-            </a:pPr>
-            <a:endParaRPr/>
-          </a:p>
-        </p:txBody>
-      </p:sp>
-      <p:sp>
-        <p:nvSpPr>
-          <p:cNvPr id="56" name="Google Shape;56;p2:notes"/>
-          <p:cNvSpPr>
-            <a:spLocks noGrp="1" noRot="1" noChangeAspect="1"/>
-          </p:cNvSpPr>
-          <p:nvPr>
-            <p:ph type="sldImg" idx="2"/>
-          </p:nvPr>
-        </p:nvSpPr>
-        <p:spPr>
-          <a:xfrm>
-            <a:off x="1257300" y="720725"/>
-            <a:ext cx="4800600" cy="3600450"/>
-          </a:xfrm>
-          <a:custGeom>
-            <a:avLst/>
-            <a:gdLst/>
-            <a:ahLst/>
-            <a:cxnLst/>
-            <a:rect l="l" t="t" r="r" b="b"/>
-            <a:pathLst>
-              <a:path w="120000" h="120000" extrusionOk="0">
-                <a:moveTo>
-                  <a:pt x="0" y="0"/>
-                </a:moveTo>
-                <a:lnTo>
-                  <a:pt x="120000" y="0"/>
-                </a:lnTo>
-                <a:lnTo>
-                  <a:pt x="120000" y="120000"/>
-                </a:lnTo>
-                <a:lnTo>
-                  <a:pt x="0" y="120000"/>
-                </a:lnTo>
-                <a:close/>
-              </a:path>
-            </a:pathLst>
-          </a:custGeom>
-          <a:noFill/>
-          <a:ln w="9525" cap="flat" cmpd="sng">
-            <a:solidFill>
-              <a:srgbClr val="000000"/>
-            </a:solidFill>
-            <a:prstDash val="solid"/>
-            <a:miter lim="800000"/>
-            <a:headEnd type="none" w="sm" len="sm"/>
-            <a:tailEnd type="none" w="sm" len="sm"/>
-          </a:ln>
-        </p:spPr>
-      </p:sp>
-    </p:spTree>
-  </p:cSld>
-  <p:clrMapOvr>
-    <a:masterClrMapping/>
-  </p:clrMapOvr>
-</p:notes>
-</file>
-
-<file path=ppt/notesSlides/notesSlide20.xml><?xml version="1.0" encoding="utf-8"?>
+<file path=ppt/notesSlides/notesSlide23.xml><?xml version="1.0" encoding="utf-8"?>
 <p:notes xmlns:a="http://schemas.openxmlformats.org/drawingml/2006/main" xmlns:r="http://schemas.openxmlformats.org/officeDocument/2006/relationships" xmlns:p="http://schemas.openxmlformats.org/presentationml/2006/main" showMasterSp="0" showMasterPhAnim="0">
   <p:cSld>
     <p:spTree>
@@ -3578,7 +4016,7 @@
 </p:notes>
 </file>
 
-<file path=ppt/notesSlides/notesSlide21.xml><?xml version="1.0" encoding="utf-8"?>
+<file path=ppt/notesSlides/notesSlide24.xml><?xml version="1.0" encoding="utf-8"?>
 <p:notes xmlns:a="http://schemas.openxmlformats.org/drawingml/2006/main" xmlns:r="http://schemas.openxmlformats.org/officeDocument/2006/relationships" xmlns:p="http://schemas.openxmlformats.org/presentationml/2006/main" showMasterSp="0" showMasterPhAnim="0">
   <p:cSld>
     <p:spTree>
@@ -3723,7 +4161,7 @@
 </p:notes>
 </file>
 
-<file path=ppt/notesSlides/notesSlide22.xml><?xml version="1.0" encoding="utf-8"?>
+<file path=ppt/notesSlides/notesSlide25.xml><?xml version="1.0" encoding="utf-8"?>
 <p:notes xmlns:a="http://schemas.openxmlformats.org/drawingml/2006/main" xmlns:r="http://schemas.openxmlformats.org/officeDocument/2006/relationships" xmlns:p="http://schemas.openxmlformats.org/presentationml/2006/main" showMasterSp="0" showMasterPhAnim="0">
   <p:cSld>
     <p:spTree>
@@ -3868,7 +4306,7 @@
 </p:notes>
 </file>
 
-<file path=ppt/notesSlides/notesSlide23.xml><?xml version="1.0" encoding="utf-8"?>
+<file path=ppt/notesSlides/notesSlide26.xml><?xml version="1.0" encoding="utf-8"?>
 <p:notes xmlns:a="http://schemas.openxmlformats.org/drawingml/2006/main" xmlns:r="http://schemas.openxmlformats.org/officeDocument/2006/relationships" xmlns:p="http://schemas.openxmlformats.org/presentationml/2006/main" showMasterSp="0" showMasterPhAnim="0">
   <p:cSld>
     <p:spTree>
@@ -3990,7 +4428,7 @@
 </p:notes>
 </file>
 
-<file path=ppt/notesSlides/notesSlide24.xml><?xml version="1.0" encoding="utf-8"?>
+<file path=ppt/notesSlides/notesSlide27.xml><?xml version="1.0" encoding="utf-8"?>
 <p:notes xmlns:a="http://schemas.openxmlformats.org/drawingml/2006/main" xmlns:r="http://schemas.openxmlformats.org/officeDocument/2006/relationships" xmlns:p="http://schemas.openxmlformats.org/presentationml/2006/main" showMasterSp="0" showMasterPhAnim="0">
   <p:cSld>
     <p:spTree>
@@ -4135,7 +4573,7 @@
 </p:notes>
 </file>
 
-<file path=ppt/notesSlides/notesSlide25.xml><?xml version="1.0" encoding="utf-8"?>
+<file path=ppt/notesSlides/notesSlide28.xml><?xml version="1.0" encoding="utf-8"?>
 <p:notes xmlns:a="http://schemas.openxmlformats.org/drawingml/2006/main" xmlns:r="http://schemas.openxmlformats.org/officeDocument/2006/relationships" xmlns:p="http://schemas.openxmlformats.org/presentationml/2006/main" showMasterSp="0" showMasterPhAnim="0">
   <p:cSld>
     <p:spTree>
@@ -4280,7 +4718,7 @@
 </p:notes>
 </file>
 
-<file path=ppt/notesSlides/notesSlide26.xml><?xml version="1.0" encoding="utf-8"?>
+<file path=ppt/notesSlides/notesSlide29.xml><?xml version="1.0" encoding="utf-8"?>
 <p:notes xmlns:a="http://schemas.openxmlformats.org/drawingml/2006/main" xmlns:r="http://schemas.openxmlformats.org/officeDocument/2006/relationships" xmlns:p="http://schemas.openxmlformats.org/presentationml/2006/main" showMasterSp="0" showMasterPhAnim="0">
   <p:cSld>
     <p:spTree>
@@ -14464,6 +14902,1702 @@
         <p:cNvPr id="1" name="Shape 104">
           <a:extLst>
             <a:ext uri="{FF2B5EF4-FFF2-40B4-BE49-F238E27FC236}">
+              <a16:creationId xmlns:a16="http://schemas.microsoft.com/office/drawing/2014/main" id="{AB9329A4-109F-99CE-65F5-41843E3DCFC8}"/>
+            </a:ext>
+          </a:extLst>
+        </p:cNvPr>
+        <p:cNvGrpSpPr/>
+        <p:nvPr/>
+      </p:nvGrpSpPr>
+      <p:grpSpPr>
+        <a:xfrm>
+          <a:off x="0" y="0"/>
+          <a:ext cx="0" cy="0"/>
+          <a:chOff x="0" y="0"/>
+          <a:chExt cx="0" cy="0"/>
+        </a:xfrm>
+      </p:grpSpPr>
+      <p:sp>
+        <p:nvSpPr>
+          <p:cNvPr id="105" name="Google Shape;105;g30cbc3fc3c3_0_2">
+            <a:extLst>
+              <a:ext uri="{FF2B5EF4-FFF2-40B4-BE49-F238E27FC236}">
+                <a16:creationId xmlns:a16="http://schemas.microsoft.com/office/drawing/2014/main" id="{F6D091D7-AAD7-2BD9-6D7A-E0A9C4F56FD6}"/>
+              </a:ext>
+            </a:extLst>
+          </p:cNvPr>
+          <p:cNvSpPr txBox="1">
+            <a:spLocks noGrp="1"/>
+          </p:cNvSpPr>
+          <p:nvPr>
+            <p:ph type="title"/>
+          </p:nvPr>
+        </p:nvSpPr>
+        <p:spPr>
+          <a:xfrm>
+            <a:off x="457200" y="274638"/>
+            <a:ext cx="8229600" cy="1143000"/>
+          </a:xfrm>
+          <a:prstGeom prst="rect">
+            <a:avLst/>
+          </a:prstGeom>
+          <a:noFill/>
+          <a:ln>
+            <a:noFill/>
+          </a:ln>
+        </p:spPr>
+        <p:txBody>
+          <a:bodyPr spcFirstLastPara="1" wrap="square" lIns="91425" tIns="45700" rIns="91425" bIns="45700" anchor="ctr" anchorCtr="0">
+            <a:noAutofit/>
+          </a:bodyPr>
+          <a:lstStyle/>
+          <a:p>
+            <a:pPr marL="0" lvl="0" indent="457200" algn="l" rtl="0">
+              <a:lnSpc>
+                <a:spcPct val="100000"/>
+              </a:lnSpc>
+              <a:spcBef>
+                <a:spcPts val="0"/>
+              </a:spcBef>
+              <a:spcAft>
+                <a:spcPts val="0"/>
+              </a:spcAft>
+              <a:buSzPts val="1400"/>
+              <a:buNone/>
+            </a:pPr>
+            <a:r>
+              <a:rPr lang="en-IN" b="1"/>
+              <a:t> Comparison with ChatGPT</a:t>
+            </a:r>
+            <a:endParaRPr b="1"/>
+          </a:p>
+        </p:txBody>
+      </p:sp>
+      <p:sp>
+        <p:nvSpPr>
+          <p:cNvPr id="3" name="Google Shape;100;p6">
+            <a:extLst>
+              <a:ext uri="{FF2B5EF4-FFF2-40B4-BE49-F238E27FC236}">
+                <a16:creationId xmlns:a16="http://schemas.microsoft.com/office/drawing/2014/main" id="{74749525-39B4-5B44-2D22-5D7446A5D0CE}"/>
+              </a:ext>
+            </a:extLst>
+          </p:cNvPr>
+          <p:cNvSpPr txBox="1">
+            <a:spLocks/>
+          </p:cNvSpPr>
+          <p:nvPr/>
+        </p:nvSpPr>
+        <p:spPr>
+          <a:xfrm>
+            <a:off x="457200" y="1179576"/>
+            <a:ext cx="8229600" cy="5513832"/>
+          </a:xfrm>
+          <a:prstGeom prst="rect">
+            <a:avLst/>
+          </a:prstGeom>
+          <a:noFill/>
+          <a:ln>
+            <a:noFill/>
+          </a:ln>
+        </p:spPr>
+        <p:txBody>
+          <a:bodyPr spcFirstLastPara="1" wrap="square" lIns="91425" tIns="45700" rIns="91425" bIns="45700" numCol="1" anchor="t" anchorCtr="0">
+            <a:noAutofit/>
+          </a:bodyPr>
+          <a:lstStyle>
+            <a:defPPr marR="0" lvl="0" algn="l" rtl="0">
+              <a:lnSpc>
+                <a:spcPct val="100000"/>
+              </a:lnSpc>
+              <a:spcBef>
+                <a:spcPts val="0"/>
+              </a:spcBef>
+              <a:spcAft>
+                <a:spcPts val="0"/>
+              </a:spcAft>
+            </a:defPPr>
+            <a:lvl1pPr marR="0" lvl="0" algn="l" rtl="0">
+              <a:lnSpc>
+                <a:spcPct val="100000"/>
+              </a:lnSpc>
+              <a:spcBef>
+                <a:spcPts val="0"/>
+              </a:spcBef>
+              <a:spcAft>
+                <a:spcPts val="0"/>
+              </a:spcAft>
+              <a:buClr>
+                <a:srgbClr val="000000"/>
+              </a:buClr>
+              <a:buFont typeface="Arial"/>
+              <a:defRPr sz="1400" b="0" i="0" u="none" strike="noStrike" cap="none">
+                <a:solidFill>
+                  <a:srgbClr val="000000"/>
+                </a:solidFill>
+                <a:latin typeface="Arial"/>
+                <a:ea typeface="Arial"/>
+                <a:cs typeface="Arial"/>
+                <a:sym typeface="Arial"/>
+              </a:defRPr>
+            </a:lvl1pPr>
+            <a:lvl2pPr marR="0" lvl="1" algn="l" rtl="0">
+              <a:lnSpc>
+                <a:spcPct val="100000"/>
+              </a:lnSpc>
+              <a:spcBef>
+                <a:spcPts val="0"/>
+              </a:spcBef>
+              <a:spcAft>
+                <a:spcPts val="0"/>
+              </a:spcAft>
+              <a:buClr>
+                <a:srgbClr val="000000"/>
+              </a:buClr>
+              <a:buFont typeface="Arial"/>
+              <a:defRPr sz="1400" b="0" i="0" u="none" strike="noStrike" cap="none">
+                <a:solidFill>
+                  <a:srgbClr val="000000"/>
+                </a:solidFill>
+                <a:latin typeface="Arial"/>
+                <a:ea typeface="Arial"/>
+                <a:cs typeface="Arial"/>
+                <a:sym typeface="Arial"/>
+              </a:defRPr>
+            </a:lvl2pPr>
+            <a:lvl3pPr marR="0" lvl="2" algn="l" rtl="0">
+              <a:lnSpc>
+                <a:spcPct val="100000"/>
+              </a:lnSpc>
+              <a:spcBef>
+                <a:spcPts val="0"/>
+              </a:spcBef>
+              <a:spcAft>
+                <a:spcPts val="0"/>
+              </a:spcAft>
+              <a:buClr>
+                <a:srgbClr val="000000"/>
+              </a:buClr>
+              <a:buFont typeface="Arial"/>
+              <a:defRPr sz="1400" b="0" i="0" u="none" strike="noStrike" cap="none">
+                <a:solidFill>
+                  <a:srgbClr val="000000"/>
+                </a:solidFill>
+                <a:latin typeface="Arial"/>
+                <a:ea typeface="Arial"/>
+                <a:cs typeface="Arial"/>
+                <a:sym typeface="Arial"/>
+              </a:defRPr>
+            </a:lvl3pPr>
+            <a:lvl4pPr marR="0" lvl="3" algn="l" rtl="0">
+              <a:lnSpc>
+                <a:spcPct val="100000"/>
+              </a:lnSpc>
+              <a:spcBef>
+                <a:spcPts val="0"/>
+              </a:spcBef>
+              <a:spcAft>
+                <a:spcPts val="0"/>
+              </a:spcAft>
+              <a:buClr>
+                <a:srgbClr val="000000"/>
+              </a:buClr>
+              <a:buFont typeface="Arial"/>
+              <a:defRPr sz="1400" b="0" i="0" u="none" strike="noStrike" cap="none">
+                <a:solidFill>
+                  <a:srgbClr val="000000"/>
+                </a:solidFill>
+                <a:latin typeface="Arial"/>
+                <a:ea typeface="Arial"/>
+                <a:cs typeface="Arial"/>
+                <a:sym typeface="Arial"/>
+              </a:defRPr>
+            </a:lvl4pPr>
+            <a:lvl5pPr marR="0" lvl="4" algn="l" rtl="0">
+              <a:lnSpc>
+                <a:spcPct val="100000"/>
+              </a:lnSpc>
+              <a:spcBef>
+                <a:spcPts val="0"/>
+              </a:spcBef>
+              <a:spcAft>
+                <a:spcPts val="0"/>
+              </a:spcAft>
+              <a:buClr>
+                <a:srgbClr val="000000"/>
+              </a:buClr>
+              <a:buFont typeface="Arial"/>
+              <a:defRPr sz="1400" b="0" i="0" u="none" strike="noStrike" cap="none">
+                <a:solidFill>
+                  <a:srgbClr val="000000"/>
+                </a:solidFill>
+                <a:latin typeface="Arial"/>
+                <a:ea typeface="Arial"/>
+                <a:cs typeface="Arial"/>
+                <a:sym typeface="Arial"/>
+              </a:defRPr>
+            </a:lvl5pPr>
+            <a:lvl6pPr marR="0" lvl="5" algn="l" rtl="0">
+              <a:lnSpc>
+                <a:spcPct val="100000"/>
+              </a:lnSpc>
+              <a:spcBef>
+                <a:spcPts val="0"/>
+              </a:spcBef>
+              <a:spcAft>
+                <a:spcPts val="0"/>
+              </a:spcAft>
+              <a:buClr>
+                <a:srgbClr val="000000"/>
+              </a:buClr>
+              <a:buFont typeface="Arial"/>
+              <a:defRPr sz="1400" b="0" i="0" u="none" strike="noStrike" cap="none">
+                <a:solidFill>
+                  <a:srgbClr val="000000"/>
+                </a:solidFill>
+                <a:latin typeface="Arial"/>
+                <a:ea typeface="Arial"/>
+                <a:cs typeface="Arial"/>
+                <a:sym typeface="Arial"/>
+              </a:defRPr>
+            </a:lvl6pPr>
+            <a:lvl7pPr marR="0" lvl="6" algn="l" rtl="0">
+              <a:lnSpc>
+                <a:spcPct val="100000"/>
+              </a:lnSpc>
+              <a:spcBef>
+                <a:spcPts val="0"/>
+              </a:spcBef>
+              <a:spcAft>
+                <a:spcPts val="0"/>
+              </a:spcAft>
+              <a:buClr>
+                <a:srgbClr val="000000"/>
+              </a:buClr>
+              <a:buFont typeface="Arial"/>
+              <a:defRPr sz="1400" b="0" i="0" u="none" strike="noStrike" cap="none">
+                <a:solidFill>
+                  <a:srgbClr val="000000"/>
+                </a:solidFill>
+                <a:latin typeface="Arial"/>
+                <a:ea typeface="Arial"/>
+                <a:cs typeface="Arial"/>
+                <a:sym typeface="Arial"/>
+              </a:defRPr>
+            </a:lvl7pPr>
+            <a:lvl8pPr marR="0" lvl="7" algn="l" rtl="0">
+              <a:lnSpc>
+                <a:spcPct val="100000"/>
+              </a:lnSpc>
+              <a:spcBef>
+                <a:spcPts val="0"/>
+              </a:spcBef>
+              <a:spcAft>
+                <a:spcPts val="0"/>
+              </a:spcAft>
+              <a:buClr>
+                <a:srgbClr val="000000"/>
+              </a:buClr>
+              <a:buFont typeface="Arial"/>
+              <a:defRPr sz="1400" b="0" i="0" u="none" strike="noStrike" cap="none">
+                <a:solidFill>
+                  <a:srgbClr val="000000"/>
+                </a:solidFill>
+                <a:latin typeface="Arial"/>
+                <a:ea typeface="Arial"/>
+                <a:cs typeface="Arial"/>
+                <a:sym typeface="Arial"/>
+              </a:defRPr>
+            </a:lvl8pPr>
+            <a:lvl9pPr marR="0" lvl="8" algn="l" rtl="0">
+              <a:lnSpc>
+                <a:spcPct val="100000"/>
+              </a:lnSpc>
+              <a:spcBef>
+                <a:spcPts val="0"/>
+              </a:spcBef>
+              <a:spcAft>
+                <a:spcPts val="0"/>
+              </a:spcAft>
+              <a:buClr>
+                <a:srgbClr val="000000"/>
+              </a:buClr>
+              <a:buFont typeface="Arial"/>
+              <a:defRPr sz="1400" b="0" i="0" u="none" strike="noStrike" cap="none">
+                <a:solidFill>
+                  <a:srgbClr val="000000"/>
+                </a:solidFill>
+                <a:latin typeface="Arial"/>
+                <a:ea typeface="Arial"/>
+                <a:cs typeface="Arial"/>
+                <a:sym typeface="Arial"/>
+              </a:defRPr>
+            </a:lvl9pPr>
+          </a:lstStyle>
+          <a:p>
+            <a:pPr>
+              <a:spcBef>
+                <a:spcPts val="1000"/>
+              </a:spcBef>
+            </a:pPr>
+            <a:r>
+              <a:rPr lang="en-US" b="1" dirty="0">
+                <a:solidFill>
+                  <a:srgbClr val="4F81BD"/>
+                </a:solidFill>
+                <a:effectLst/>
+                <a:latin typeface="Calibri" panose="020F0502020204030204" pitchFamily="34" charset="0"/>
+                <a:ea typeface="Times New Roman" panose="02020603050405020304" pitchFamily="18" charset="0"/>
+                <a:cs typeface="Mangal" panose="02040503050203030202" pitchFamily="18" charset="0"/>
+              </a:rPr>
+              <a:t>Dataset Overview</a:t>
+            </a:r>
+            <a:endParaRPr lang="en-IN" b="1" dirty="0">
+              <a:solidFill>
+                <a:srgbClr val="4F81BD"/>
+              </a:solidFill>
+              <a:effectLst/>
+              <a:latin typeface="Calibri" panose="020F0502020204030204" pitchFamily="34" charset="0"/>
+              <a:ea typeface="Times New Roman" panose="02020603050405020304" pitchFamily="18" charset="0"/>
+              <a:cs typeface="Mangal" panose="02040503050203030202" pitchFamily="18" charset="0"/>
+            </a:endParaRPr>
+          </a:p>
+          <a:p>
+            <a:pPr marL="342900" lvl="0" indent="-342900">
+              <a:spcBef>
+                <a:spcPts val="180"/>
+              </a:spcBef>
+              <a:spcAft>
+                <a:spcPts val="180"/>
+              </a:spcAft>
+              <a:buFont typeface="Arial" panose="020B0604020202020204" pitchFamily="34" charset="0"/>
+              <a:buChar char="•"/>
+            </a:pPr>
+            <a:r>
+              <a:rPr lang="en-US" dirty="0">
+                <a:effectLst/>
+                <a:latin typeface="Cambria" panose="02040503050406030204" pitchFamily="18" charset="0"/>
+                <a:ea typeface="Cambria" panose="02040503050406030204" pitchFamily="18" charset="0"/>
+                <a:cs typeface="Mangal" panose="02040503050203030202" pitchFamily="18" charset="0"/>
+              </a:rPr>
+              <a:t>Source: </a:t>
+            </a:r>
+            <a:r>
+              <a:rPr lang="en-US" dirty="0" err="1">
+                <a:effectLst/>
+                <a:latin typeface="Cambria" panose="02040503050406030204" pitchFamily="18" charset="0"/>
+                <a:ea typeface="Cambria" panose="02040503050406030204" pitchFamily="18" charset="0"/>
+                <a:cs typeface="Mangal" panose="02040503050203030202" pitchFamily="18" charset="0"/>
+              </a:rPr>
+              <a:t>test_data.json</a:t>
+            </a:r>
+            <a:endParaRPr lang="en-IN" dirty="0">
+              <a:effectLst/>
+              <a:latin typeface="Cambria" panose="02040503050406030204" pitchFamily="18" charset="0"/>
+              <a:ea typeface="Cambria" panose="02040503050406030204" pitchFamily="18" charset="0"/>
+              <a:cs typeface="Mangal" panose="02040503050203030202" pitchFamily="18" charset="0"/>
+            </a:endParaRPr>
+          </a:p>
+          <a:p>
+            <a:pPr marL="342900" lvl="0" indent="-342900">
+              <a:spcBef>
+                <a:spcPts val="180"/>
+              </a:spcBef>
+              <a:spcAft>
+                <a:spcPts val="180"/>
+              </a:spcAft>
+              <a:buFont typeface="Arial" panose="020B0604020202020204" pitchFamily="34" charset="0"/>
+              <a:buChar char="•"/>
+            </a:pPr>
+            <a:r>
+              <a:rPr lang="en-US" dirty="0">
+                <a:effectLst/>
+                <a:latin typeface="Cambria" panose="02040503050406030204" pitchFamily="18" charset="0"/>
+                <a:ea typeface="Cambria" panose="02040503050406030204" pitchFamily="18" charset="0"/>
+                <a:cs typeface="Mangal" panose="02040503050203030202" pitchFamily="18" charset="0"/>
+              </a:rPr>
+              <a:t>Categories: 14</a:t>
+            </a:r>
+            <a:endParaRPr lang="en-IN" dirty="0">
+              <a:effectLst/>
+              <a:latin typeface="Cambria" panose="02040503050406030204" pitchFamily="18" charset="0"/>
+              <a:ea typeface="Cambria" panose="02040503050406030204" pitchFamily="18" charset="0"/>
+              <a:cs typeface="Mangal" panose="02040503050203030202" pitchFamily="18" charset="0"/>
+            </a:endParaRPr>
+          </a:p>
+          <a:p>
+            <a:pPr marL="342900" lvl="0" indent="-342900">
+              <a:spcBef>
+                <a:spcPts val="180"/>
+              </a:spcBef>
+              <a:spcAft>
+                <a:spcPts val="180"/>
+              </a:spcAft>
+              <a:buFont typeface="Arial" panose="020B0604020202020204" pitchFamily="34" charset="0"/>
+              <a:buChar char="•"/>
+            </a:pPr>
+            <a:r>
+              <a:rPr lang="en-US" dirty="0">
+                <a:effectLst/>
+                <a:latin typeface="Cambria" panose="02040503050406030204" pitchFamily="18" charset="0"/>
+                <a:ea typeface="Cambria" panose="02040503050406030204" pitchFamily="18" charset="0"/>
+                <a:cs typeface="Mangal" panose="02040503050203030202" pitchFamily="18" charset="0"/>
+              </a:rPr>
+              <a:t>Total Sentences: 70</a:t>
+            </a:r>
+            <a:endParaRPr lang="en-IN" dirty="0">
+              <a:effectLst/>
+              <a:latin typeface="Cambria" panose="02040503050406030204" pitchFamily="18" charset="0"/>
+              <a:ea typeface="Cambria" panose="02040503050406030204" pitchFamily="18" charset="0"/>
+              <a:cs typeface="Mangal" panose="02040503050203030202" pitchFamily="18" charset="0"/>
+            </a:endParaRPr>
+          </a:p>
+          <a:p>
+            <a:pPr marL="342900" lvl="0" indent="-342900">
+              <a:spcBef>
+                <a:spcPts val="180"/>
+              </a:spcBef>
+              <a:spcAft>
+                <a:spcPts val="180"/>
+              </a:spcAft>
+              <a:buFont typeface="Arial" panose="020B0604020202020204" pitchFamily="34" charset="0"/>
+              <a:buChar char="•"/>
+            </a:pPr>
+            <a:r>
+              <a:rPr lang="en-US" dirty="0">
+                <a:effectLst/>
+                <a:latin typeface="Cambria" panose="02040503050406030204" pitchFamily="18" charset="0"/>
+                <a:ea typeface="Cambria" panose="02040503050406030204" pitchFamily="18" charset="0"/>
+                <a:cs typeface="Mangal" panose="02040503050203030202" pitchFamily="18" charset="0"/>
+              </a:rPr>
+              <a:t>Test Scope: Various entity types including persons, organizations, locations, and complex mixed entities</a:t>
+            </a:r>
+            <a:endParaRPr lang="en-IN" dirty="0">
+              <a:effectLst/>
+              <a:latin typeface="Cambria" panose="02040503050406030204" pitchFamily="18" charset="0"/>
+              <a:ea typeface="Cambria" panose="02040503050406030204" pitchFamily="18" charset="0"/>
+              <a:cs typeface="Mangal" panose="02040503050203030202" pitchFamily="18" charset="0"/>
+            </a:endParaRPr>
+          </a:p>
+          <a:p>
+            <a:pPr>
+              <a:spcBef>
+                <a:spcPts val="1000"/>
+              </a:spcBef>
+            </a:pPr>
+            <a:r>
+              <a:rPr lang="en-US" b="1" dirty="0">
+                <a:solidFill>
+                  <a:srgbClr val="4F81BD"/>
+                </a:solidFill>
+                <a:effectLst/>
+                <a:latin typeface="Calibri" panose="020F0502020204030204" pitchFamily="34" charset="0"/>
+                <a:ea typeface="Times New Roman" panose="02020603050405020304" pitchFamily="18" charset="0"/>
+                <a:cs typeface="Mangal" panose="02040503050203030202" pitchFamily="18" charset="0"/>
+              </a:rPr>
+              <a:t>Entity Recognition Patterns</a:t>
+            </a:r>
+            <a:endParaRPr lang="en-IN" b="1" dirty="0">
+              <a:solidFill>
+                <a:srgbClr val="4F81BD"/>
+              </a:solidFill>
+              <a:effectLst/>
+              <a:latin typeface="Calibri" panose="020F0502020204030204" pitchFamily="34" charset="0"/>
+              <a:ea typeface="Times New Roman" panose="02020603050405020304" pitchFamily="18" charset="0"/>
+              <a:cs typeface="Mangal" panose="02040503050203030202" pitchFamily="18" charset="0"/>
+            </a:endParaRPr>
+          </a:p>
+          <a:p>
+            <a:pPr>
+              <a:spcBef>
+                <a:spcPts val="1000"/>
+              </a:spcBef>
+            </a:pPr>
+            <a:r>
+              <a:rPr lang="en-US" b="1" i="1" dirty="0">
+                <a:solidFill>
+                  <a:srgbClr val="4F81BD"/>
+                </a:solidFill>
+                <a:latin typeface="Calibri" panose="020F0502020204030204" pitchFamily="34" charset="0"/>
+                <a:ea typeface="Times New Roman" panose="02020603050405020304" pitchFamily="18" charset="0"/>
+                <a:cs typeface="Mangal" panose="02040503050203030202" pitchFamily="18" charset="0"/>
+              </a:rPr>
+              <a:t>Our</a:t>
+            </a:r>
+            <a:r>
+              <a:rPr lang="en-US" b="1" i="1" dirty="0">
+                <a:solidFill>
+                  <a:srgbClr val="4F81BD"/>
+                </a:solidFill>
+                <a:effectLst/>
+                <a:latin typeface="Calibri" panose="020F0502020204030204" pitchFamily="34" charset="0"/>
+                <a:ea typeface="Times New Roman" panose="02020603050405020304" pitchFamily="18" charset="0"/>
+                <a:cs typeface="Mangal" panose="02040503050203030202" pitchFamily="18" charset="0"/>
+              </a:rPr>
+              <a:t> System</a:t>
+            </a:r>
+            <a:endParaRPr lang="en-IN" b="1" i="1" dirty="0">
+              <a:solidFill>
+                <a:srgbClr val="4F81BD"/>
+              </a:solidFill>
+              <a:effectLst/>
+              <a:latin typeface="Calibri" panose="020F0502020204030204" pitchFamily="34" charset="0"/>
+              <a:ea typeface="Times New Roman" panose="02020603050405020304" pitchFamily="18" charset="0"/>
+              <a:cs typeface="Mangal" panose="02040503050203030202" pitchFamily="18" charset="0"/>
+            </a:endParaRPr>
+          </a:p>
+          <a:p>
+            <a:pPr latinLnBrk="1">
+              <a:spcAft>
+                <a:spcPts val="1000"/>
+              </a:spcAft>
+            </a:pPr>
+            <a:r>
+              <a:rPr lang="en-US" dirty="0">
+                <a:effectLst/>
+                <a:latin typeface="Consolas" panose="020B0609020204030204" pitchFamily="49" charset="0"/>
+                <a:ea typeface="Cambria" panose="02040503050406030204" pitchFamily="18" charset="0"/>
+                <a:cs typeface="Mangal" panose="02040503050203030202" pitchFamily="18" charset="0"/>
+              </a:rPr>
+              <a:t>Example: "Prime Minister Narendra Modi addressed the nation"</a:t>
+            </a:r>
+            <a:br>
+              <a:rPr lang="en-US" dirty="0">
+                <a:effectLst/>
+                <a:latin typeface="Consolas" panose="020B0609020204030204" pitchFamily="49" charset="0"/>
+                <a:ea typeface="Cambria" panose="02040503050406030204" pitchFamily="18" charset="0"/>
+                <a:cs typeface="Mangal" panose="02040503050203030202" pitchFamily="18" charset="0"/>
+              </a:rPr>
+            </a:br>
+            <a:r>
+              <a:rPr lang="en-US" dirty="0">
+                <a:effectLst/>
+                <a:latin typeface="Consolas" panose="020B0609020204030204" pitchFamily="49" charset="0"/>
+                <a:ea typeface="Cambria" panose="02040503050406030204" pitchFamily="18" charset="0"/>
+                <a:cs typeface="Mangal" panose="02040503050203030202" pitchFamily="18" charset="0"/>
+              </a:rPr>
+              <a:t>Tagged: [Prime Minister Narendra Modi] addressed the nation</a:t>
+            </a:r>
+            <a:br>
+              <a:rPr lang="en-US" dirty="0">
+                <a:effectLst/>
+                <a:latin typeface="Consolas" panose="020B0609020204030204" pitchFamily="49" charset="0"/>
+                <a:ea typeface="Cambria" panose="02040503050406030204" pitchFamily="18" charset="0"/>
+                <a:cs typeface="Mangal" panose="02040503050203030202" pitchFamily="18" charset="0"/>
+              </a:rPr>
+            </a:br>
+            <a:r>
+              <a:rPr lang="en-US" dirty="0">
+                <a:effectLst/>
+                <a:latin typeface="Consolas" panose="020B0609020204030204" pitchFamily="49" charset="0"/>
+                <a:ea typeface="Cambria" panose="02040503050406030204" pitchFamily="18" charset="0"/>
+                <a:cs typeface="Mangal" panose="02040503050203030202" pitchFamily="18" charset="0"/>
+              </a:rPr>
+              <a:t>Entities: Prime, Minister, Narendra, Modi</a:t>
+            </a:r>
+            <a:endParaRPr lang="en-IN" dirty="0">
+              <a:effectLst/>
+              <a:latin typeface="Consolas" panose="020B0609020204030204" pitchFamily="49" charset="0"/>
+              <a:ea typeface="Cambria" panose="02040503050406030204" pitchFamily="18" charset="0"/>
+              <a:cs typeface="Mangal" panose="02040503050203030202" pitchFamily="18" charset="0"/>
+            </a:endParaRPr>
+          </a:p>
+          <a:p>
+            <a:pPr>
+              <a:spcBef>
+                <a:spcPts val="1000"/>
+              </a:spcBef>
+            </a:pPr>
+            <a:r>
+              <a:rPr lang="en-US" b="1" i="1" dirty="0">
+                <a:solidFill>
+                  <a:srgbClr val="4F81BD"/>
+                </a:solidFill>
+                <a:effectLst/>
+                <a:latin typeface="Calibri" panose="020F0502020204030204" pitchFamily="34" charset="0"/>
+                <a:ea typeface="Times New Roman" panose="02020603050405020304" pitchFamily="18" charset="0"/>
+                <a:cs typeface="Mangal" panose="02040503050203030202" pitchFamily="18" charset="0"/>
+              </a:rPr>
+              <a:t>ChatGPT’s Analysis</a:t>
+            </a:r>
+            <a:endParaRPr lang="en-IN" b="1" i="1" dirty="0">
+              <a:solidFill>
+                <a:srgbClr val="4F81BD"/>
+              </a:solidFill>
+              <a:effectLst/>
+              <a:latin typeface="Calibri" panose="020F0502020204030204" pitchFamily="34" charset="0"/>
+              <a:ea typeface="Times New Roman" panose="02020603050405020304" pitchFamily="18" charset="0"/>
+              <a:cs typeface="Mangal" panose="02040503050203030202" pitchFamily="18" charset="0"/>
+            </a:endParaRPr>
+          </a:p>
+          <a:p>
+            <a:pPr latinLnBrk="1">
+              <a:spcAft>
+                <a:spcPts val="1000"/>
+              </a:spcAft>
+            </a:pPr>
+            <a:r>
+              <a:rPr lang="en-US" dirty="0">
+                <a:effectLst/>
+                <a:latin typeface="Consolas" panose="020B0609020204030204" pitchFamily="49" charset="0"/>
+                <a:ea typeface="Cambria" panose="02040503050406030204" pitchFamily="18" charset="0"/>
+                <a:cs typeface="Mangal" panose="02040503050203030202" pitchFamily="18" charset="0"/>
+              </a:rPr>
+              <a:t>Example: "Prime Minister Narendra Modi addressed the nation"</a:t>
+            </a:r>
+            <a:br>
+              <a:rPr lang="en-US" dirty="0">
+                <a:effectLst/>
+                <a:latin typeface="Consolas" panose="020B0609020204030204" pitchFamily="49" charset="0"/>
+                <a:ea typeface="Cambria" panose="02040503050406030204" pitchFamily="18" charset="0"/>
+                <a:cs typeface="Mangal" panose="02040503050203030202" pitchFamily="18" charset="0"/>
+              </a:rPr>
+            </a:br>
+            <a:r>
+              <a:rPr lang="en-US" dirty="0">
+                <a:effectLst/>
+                <a:latin typeface="Consolas" panose="020B0609020204030204" pitchFamily="49" charset="0"/>
+                <a:ea typeface="Cambria" panose="02040503050406030204" pitchFamily="18" charset="0"/>
+                <a:cs typeface="Mangal" panose="02040503050203030202" pitchFamily="18" charset="0"/>
+              </a:rPr>
+              <a:t>Tagged: [Prime Minister] [Narendra Modi] addressed the nation</a:t>
+            </a:r>
+            <a:br>
+              <a:rPr lang="en-US" dirty="0">
+                <a:effectLst/>
+                <a:latin typeface="Consolas" panose="020B0609020204030204" pitchFamily="49" charset="0"/>
+                <a:ea typeface="Cambria" panose="02040503050406030204" pitchFamily="18" charset="0"/>
+                <a:cs typeface="Mangal" panose="02040503050203030202" pitchFamily="18" charset="0"/>
+              </a:rPr>
+            </a:br>
+            <a:r>
+              <a:rPr lang="en-US" dirty="0">
+                <a:effectLst/>
+                <a:latin typeface="Consolas" panose="020B0609020204030204" pitchFamily="49" charset="0"/>
+                <a:ea typeface="Cambria" panose="02040503050406030204" pitchFamily="18" charset="0"/>
+                <a:cs typeface="Mangal" panose="02040503050203030202" pitchFamily="18" charset="0"/>
+              </a:rPr>
+              <a:t>Entities: {TITLE: "Prime Minister"}, {PERSON: "Narendra Modi"}</a:t>
+            </a:r>
+            <a:endParaRPr lang="en-IN" dirty="0">
+              <a:effectLst/>
+              <a:latin typeface="Consolas" panose="020B0609020204030204" pitchFamily="49" charset="0"/>
+              <a:ea typeface="Cambria" panose="02040503050406030204" pitchFamily="18" charset="0"/>
+              <a:cs typeface="Mangal" panose="02040503050203030202" pitchFamily="18" charset="0"/>
+            </a:endParaRPr>
+          </a:p>
+          <a:p>
+            <a:pPr>
+              <a:spcBef>
+                <a:spcPts val="900"/>
+              </a:spcBef>
+              <a:spcAft>
+                <a:spcPts val="900"/>
+              </a:spcAft>
+            </a:pPr>
+            <a:r>
+              <a:rPr lang="en-US" dirty="0">
+                <a:effectLst/>
+                <a:latin typeface="Cambria" panose="02040503050406030204" pitchFamily="18" charset="0"/>
+                <a:ea typeface="Cambria" panose="02040503050406030204" pitchFamily="18" charset="0"/>
+                <a:cs typeface="Mangal" panose="02040503050203030202" pitchFamily="18" charset="0"/>
+              </a:rPr>
+              <a:t>Key Differences: - our system treats titles and names as individual entities - ChatGPT’s system groups entities by semantic role - our system uses single-level tagging - ChatGPT employs hierarchical entity categorization</a:t>
+            </a:r>
+            <a:endParaRPr lang="en-IN" dirty="0">
+              <a:effectLst/>
+              <a:latin typeface="Cambria" panose="02040503050406030204" pitchFamily="18" charset="0"/>
+              <a:ea typeface="Cambria" panose="02040503050406030204" pitchFamily="18" charset="0"/>
+              <a:cs typeface="Mangal" panose="02040503050203030202" pitchFamily="18" charset="0"/>
+            </a:endParaRPr>
+          </a:p>
+          <a:p>
+            <a:pPr>
+              <a:spcBef>
+                <a:spcPts val="1000"/>
+              </a:spcBef>
+            </a:pPr>
+            <a:endParaRPr lang="en-IN" dirty="0">
+              <a:effectLst/>
+              <a:latin typeface="Cambria" panose="02040503050406030204" pitchFamily="18" charset="0"/>
+              <a:ea typeface="Cambria" panose="02040503050406030204" pitchFamily="18" charset="0"/>
+              <a:cs typeface="Mangal" panose="02040503050203030202" pitchFamily="18" charset="0"/>
+            </a:endParaRPr>
+          </a:p>
+        </p:txBody>
+      </p:sp>
+    </p:spTree>
+    <p:extLst>
+      <p:ext uri="{BB962C8B-B14F-4D97-AF65-F5344CB8AC3E}">
+        <p14:creationId xmlns:p14="http://schemas.microsoft.com/office/powerpoint/2010/main" val="3758337585"/>
+      </p:ext>
+    </p:extLst>
+  </p:cSld>
+  <p:clrMapOvr>
+    <a:masterClrMapping/>
+  </p:clrMapOvr>
+</p:sld>
+</file>
+
+<file path=ppt/slides/slide19.xml><?xml version="1.0" encoding="utf-8"?>
+<p:sld xmlns:a="http://schemas.openxmlformats.org/drawingml/2006/main" xmlns:r="http://schemas.openxmlformats.org/officeDocument/2006/relationships" xmlns:p="http://schemas.openxmlformats.org/presentationml/2006/main">
+  <p:cSld>
+    <p:spTree>
+      <p:nvGrpSpPr>
+        <p:cNvPr id="1" name="Shape 104">
+          <a:extLst>
+            <a:ext uri="{FF2B5EF4-FFF2-40B4-BE49-F238E27FC236}">
+              <a16:creationId xmlns:a16="http://schemas.microsoft.com/office/drawing/2014/main" id="{7202C1B0-5C28-C11D-FFDD-86FB2DCBA939}"/>
+            </a:ext>
+          </a:extLst>
+        </p:cNvPr>
+        <p:cNvGrpSpPr/>
+        <p:nvPr/>
+      </p:nvGrpSpPr>
+      <p:grpSpPr>
+        <a:xfrm>
+          <a:off x="0" y="0"/>
+          <a:ext cx="0" cy="0"/>
+          <a:chOff x="0" y="0"/>
+          <a:chExt cx="0" cy="0"/>
+        </a:xfrm>
+      </p:grpSpPr>
+      <p:sp>
+        <p:nvSpPr>
+          <p:cNvPr id="105" name="Google Shape;105;g30cbc3fc3c3_0_2">
+            <a:extLst>
+              <a:ext uri="{FF2B5EF4-FFF2-40B4-BE49-F238E27FC236}">
+                <a16:creationId xmlns:a16="http://schemas.microsoft.com/office/drawing/2014/main" id="{E17FDCA8-8ABB-E23C-4532-A377B3EE3C60}"/>
+              </a:ext>
+            </a:extLst>
+          </p:cNvPr>
+          <p:cNvSpPr txBox="1">
+            <a:spLocks noGrp="1"/>
+          </p:cNvSpPr>
+          <p:nvPr>
+            <p:ph type="title"/>
+          </p:nvPr>
+        </p:nvSpPr>
+        <p:spPr>
+          <a:xfrm>
+            <a:off x="457200" y="-274002"/>
+            <a:ext cx="8229600" cy="1143000"/>
+          </a:xfrm>
+          <a:prstGeom prst="rect">
+            <a:avLst/>
+          </a:prstGeom>
+          <a:noFill/>
+          <a:ln>
+            <a:noFill/>
+          </a:ln>
+        </p:spPr>
+        <p:txBody>
+          <a:bodyPr spcFirstLastPara="1" wrap="square" lIns="91425" tIns="45700" rIns="91425" bIns="45700" anchor="ctr" anchorCtr="0">
+            <a:noAutofit/>
+          </a:bodyPr>
+          <a:lstStyle/>
+          <a:p>
+            <a:pPr marL="0" lvl="0" indent="457200" algn="l" rtl="0">
+              <a:lnSpc>
+                <a:spcPct val="100000"/>
+              </a:lnSpc>
+              <a:spcBef>
+                <a:spcPts val="0"/>
+              </a:spcBef>
+              <a:spcAft>
+                <a:spcPts val="0"/>
+              </a:spcAft>
+              <a:buSzPts val="1400"/>
+              <a:buNone/>
+            </a:pPr>
+            <a:r>
+              <a:rPr lang="en-IN" b="1" dirty="0"/>
+              <a:t> Comparison with ChatGPT</a:t>
+            </a:r>
+            <a:endParaRPr b="1" dirty="0"/>
+          </a:p>
+        </p:txBody>
+      </p:sp>
+      <p:sp>
+        <p:nvSpPr>
+          <p:cNvPr id="3" name="Google Shape;100;p6">
+            <a:extLst>
+              <a:ext uri="{FF2B5EF4-FFF2-40B4-BE49-F238E27FC236}">
+                <a16:creationId xmlns:a16="http://schemas.microsoft.com/office/drawing/2014/main" id="{0DDE9462-1500-8554-A0E6-1DCA033B0AE5}"/>
+              </a:ext>
+            </a:extLst>
+          </p:cNvPr>
+          <p:cNvSpPr txBox="1">
+            <a:spLocks/>
+          </p:cNvSpPr>
+          <p:nvPr/>
+        </p:nvSpPr>
+        <p:spPr>
+          <a:xfrm>
+            <a:off x="457200" y="672084"/>
+            <a:ext cx="8229600" cy="6021324"/>
+          </a:xfrm>
+          <a:prstGeom prst="rect">
+            <a:avLst/>
+          </a:prstGeom>
+          <a:noFill/>
+          <a:ln>
+            <a:noFill/>
+          </a:ln>
+        </p:spPr>
+        <p:txBody>
+          <a:bodyPr spcFirstLastPara="1" wrap="square" lIns="91425" tIns="45700" rIns="91425" bIns="45700" numCol="1" anchor="t" anchorCtr="0">
+            <a:noAutofit/>
+          </a:bodyPr>
+          <a:lstStyle>
+            <a:defPPr marR="0" lvl="0" algn="l" rtl="0">
+              <a:lnSpc>
+                <a:spcPct val="100000"/>
+              </a:lnSpc>
+              <a:spcBef>
+                <a:spcPts val="0"/>
+              </a:spcBef>
+              <a:spcAft>
+                <a:spcPts val="0"/>
+              </a:spcAft>
+            </a:defPPr>
+            <a:lvl1pPr marR="0" lvl="0" algn="l" rtl="0">
+              <a:lnSpc>
+                <a:spcPct val="100000"/>
+              </a:lnSpc>
+              <a:spcBef>
+                <a:spcPts val="0"/>
+              </a:spcBef>
+              <a:spcAft>
+                <a:spcPts val="0"/>
+              </a:spcAft>
+              <a:buClr>
+                <a:srgbClr val="000000"/>
+              </a:buClr>
+              <a:buFont typeface="Arial"/>
+              <a:defRPr sz="1400" b="0" i="0" u="none" strike="noStrike" cap="none">
+                <a:solidFill>
+                  <a:srgbClr val="000000"/>
+                </a:solidFill>
+                <a:latin typeface="Arial"/>
+                <a:ea typeface="Arial"/>
+                <a:cs typeface="Arial"/>
+                <a:sym typeface="Arial"/>
+              </a:defRPr>
+            </a:lvl1pPr>
+            <a:lvl2pPr marR="0" lvl="1" algn="l" rtl="0">
+              <a:lnSpc>
+                <a:spcPct val="100000"/>
+              </a:lnSpc>
+              <a:spcBef>
+                <a:spcPts val="0"/>
+              </a:spcBef>
+              <a:spcAft>
+                <a:spcPts val="0"/>
+              </a:spcAft>
+              <a:buClr>
+                <a:srgbClr val="000000"/>
+              </a:buClr>
+              <a:buFont typeface="Arial"/>
+              <a:defRPr sz="1400" b="0" i="0" u="none" strike="noStrike" cap="none">
+                <a:solidFill>
+                  <a:srgbClr val="000000"/>
+                </a:solidFill>
+                <a:latin typeface="Arial"/>
+                <a:ea typeface="Arial"/>
+                <a:cs typeface="Arial"/>
+                <a:sym typeface="Arial"/>
+              </a:defRPr>
+            </a:lvl2pPr>
+            <a:lvl3pPr marR="0" lvl="2" algn="l" rtl="0">
+              <a:lnSpc>
+                <a:spcPct val="100000"/>
+              </a:lnSpc>
+              <a:spcBef>
+                <a:spcPts val="0"/>
+              </a:spcBef>
+              <a:spcAft>
+                <a:spcPts val="0"/>
+              </a:spcAft>
+              <a:buClr>
+                <a:srgbClr val="000000"/>
+              </a:buClr>
+              <a:buFont typeface="Arial"/>
+              <a:defRPr sz="1400" b="0" i="0" u="none" strike="noStrike" cap="none">
+                <a:solidFill>
+                  <a:srgbClr val="000000"/>
+                </a:solidFill>
+                <a:latin typeface="Arial"/>
+                <a:ea typeface="Arial"/>
+                <a:cs typeface="Arial"/>
+                <a:sym typeface="Arial"/>
+              </a:defRPr>
+            </a:lvl3pPr>
+            <a:lvl4pPr marR="0" lvl="3" algn="l" rtl="0">
+              <a:lnSpc>
+                <a:spcPct val="100000"/>
+              </a:lnSpc>
+              <a:spcBef>
+                <a:spcPts val="0"/>
+              </a:spcBef>
+              <a:spcAft>
+                <a:spcPts val="0"/>
+              </a:spcAft>
+              <a:buClr>
+                <a:srgbClr val="000000"/>
+              </a:buClr>
+              <a:buFont typeface="Arial"/>
+              <a:defRPr sz="1400" b="0" i="0" u="none" strike="noStrike" cap="none">
+                <a:solidFill>
+                  <a:srgbClr val="000000"/>
+                </a:solidFill>
+                <a:latin typeface="Arial"/>
+                <a:ea typeface="Arial"/>
+                <a:cs typeface="Arial"/>
+                <a:sym typeface="Arial"/>
+              </a:defRPr>
+            </a:lvl4pPr>
+            <a:lvl5pPr marR="0" lvl="4" algn="l" rtl="0">
+              <a:lnSpc>
+                <a:spcPct val="100000"/>
+              </a:lnSpc>
+              <a:spcBef>
+                <a:spcPts val="0"/>
+              </a:spcBef>
+              <a:spcAft>
+                <a:spcPts val="0"/>
+              </a:spcAft>
+              <a:buClr>
+                <a:srgbClr val="000000"/>
+              </a:buClr>
+              <a:buFont typeface="Arial"/>
+              <a:defRPr sz="1400" b="0" i="0" u="none" strike="noStrike" cap="none">
+                <a:solidFill>
+                  <a:srgbClr val="000000"/>
+                </a:solidFill>
+                <a:latin typeface="Arial"/>
+                <a:ea typeface="Arial"/>
+                <a:cs typeface="Arial"/>
+                <a:sym typeface="Arial"/>
+              </a:defRPr>
+            </a:lvl5pPr>
+            <a:lvl6pPr marR="0" lvl="5" algn="l" rtl="0">
+              <a:lnSpc>
+                <a:spcPct val="100000"/>
+              </a:lnSpc>
+              <a:spcBef>
+                <a:spcPts val="0"/>
+              </a:spcBef>
+              <a:spcAft>
+                <a:spcPts val="0"/>
+              </a:spcAft>
+              <a:buClr>
+                <a:srgbClr val="000000"/>
+              </a:buClr>
+              <a:buFont typeface="Arial"/>
+              <a:defRPr sz="1400" b="0" i="0" u="none" strike="noStrike" cap="none">
+                <a:solidFill>
+                  <a:srgbClr val="000000"/>
+                </a:solidFill>
+                <a:latin typeface="Arial"/>
+                <a:ea typeface="Arial"/>
+                <a:cs typeface="Arial"/>
+                <a:sym typeface="Arial"/>
+              </a:defRPr>
+            </a:lvl6pPr>
+            <a:lvl7pPr marR="0" lvl="6" algn="l" rtl="0">
+              <a:lnSpc>
+                <a:spcPct val="100000"/>
+              </a:lnSpc>
+              <a:spcBef>
+                <a:spcPts val="0"/>
+              </a:spcBef>
+              <a:spcAft>
+                <a:spcPts val="0"/>
+              </a:spcAft>
+              <a:buClr>
+                <a:srgbClr val="000000"/>
+              </a:buClr>
+              <a:buFont typeface="Arial"/>
+              <a:defRPr sz="1400" b="0" i="0" u="none" strike="noStrike" cap="none">
+                <a:solidFill>
+                  <a:srgbClr val="000000"/>
+                </a:solidFill>
+                <a:latin typeface="Arial"/>
+                <a:ea typeface="Arial"/>
+                <a:cs typeface="Arial"/>
+                <a:sym typeface="Arial"/>
+              </a:defRPr>
+            </a:lvl7pPr>
+            <a:lvl8pPr marR="0" lvl="7" algn="l" rtl="0">
+              <a:lnSpc>
+                <a:spcPct val="100000"/>
+              </a:lnSpc>
+              <a:spcBef>
+                <a:spcPts val="0"/>
+              </a:spcBef>
+              <a:spcAft>
+                <a:spcPts val="0"/>
+              </a:spcAft>
+              <a:buClr>
+                <a:srgbClr val="000000"/>
+              </a:buClr>
+              <a:buFont typeface="Arial"/>
+              <a:defRPr sz="1400" b="0" i="0" u="none" strike="noStrike" cap="none">
+                <a:solidFill>
+                  <a:srgbClr val="000000"/>
+                </a:solidFill>
+                <a:latin typeface="Arial"/>
+                <a:ea typeface="Arial"/>
+                <a:cs typeface="Arial"/>
+                <a:sym typeface="Arial"/>
+              </a:defRPr>
+            </a:lvl8pPr>
+            <a:lvl9pPr marR="0" lvl="8" algn="l" rtl="0">
+              <a:lnSpc>
+                <a:spcPct val="100000"/>
+              </a:lnSpc>
+              <a:spcBef>
+                <a:spcPts val="0"/>
+              </a:spcBef>
+              <a:spcAft>
+                <a:spcPts val="0"/>
+              </a:spcAft>
+              <a:buClr>
+                <a:srgbClr val="000000"/>
+              </a:buClr>
+              <a:buFont typeface="Arial"/>
+              <a:defRPr sz="1400" b="0" i="0" u="none" strike="noStrike" cap="none">
+                <a:solidFill>
+                  <a:srgbClr val="000000"/>
+                </a:solidFill>
+                <a:latin typeface="Arial"/>
+                <a:ea typeface="Arial"/>
+                <a:cs typeface="Arial"/>
+                <a:sym typeface="Arial"/>
+              </a:defRPr>
+            </a:lvl9pPr>
+          </a:lstStyle>
+          <a:p>
+            <a:pPr>
+              <a:spcBef>
+                <a:spcPts val="1000"/>
+              </a:spcBef>
+            </a:pPr>
+            <a:r>
+              <a:rPr lang="en-US" sz="1200" b="1" dirty="0">
+                <a:solidFill>
+                  <a:srgbClr val="4F81BD"/>
+                </a:solidFill>
+                <a:effectLst/>
+                <a:latin typeface="Calibri" panose="020F0502020204030204" pitchFamily="34" charset="0"/>
+                <a:ea typeface="Times New Roman" panose="02020603050405020304" pitchFamily="18" charset="0"/>
+                <a:cs typeface="Mangal" panose="02040503050203030202" pitchFamily="18" charset="0"/>
+              </a:rPr>
+              <a:t>Special Cases</a:t>
+            </a:r>
+            <a:br>
+              <a:rPr lang="en-US" sz="1200" b="1" dirty="0">
+                <a:solidFill>
+                  <a:srgbClr val="4F81BD"/>
+                </a:solidFill>
+                <a:effectLst/>
+                <a:latin typeface="Calibri" panose="020F0502020204030204" pitchFamily="34" charset="0"/>
+                <a:ea typeface="Times New Roman" panose="02020603050405020304" pitchFamily="18" charset="0"/>
+                <a:cs typeface="Mangal" panose="02040503050203030202" pitchFamily="18" charset="0"/>
+              </a:rPr>
+            </a:br>
+            <a:r>
+              <a:rPr lang="en-US" sz="1200" b="1" dirty="0">
+                <a:solidFill>
+                  <a:srgbClr val="4F81BD"/>
+                </a:solidFill>
+                <a:effectLst/>
+                <a:latin typeface="Calibri" panose="020F0502020204030204" pitchFamily="34" charset="0"/>
+                <a:ea typeface="Times New Roman" panose="02020603050405020304" pitchFamily="18" charset="0"/>
+                <a:cs typeface="Mangal" panose="02040503050203030202" pitchFamily="18" charset="0"/>
+              </a:rPr>
+              <a:t>Our System:</a:t>
+            </a:r>
+          </a:p>
+          <a:p>
+            <a:pPr>
+              <a:spcBef>
+                <a:spcPts val="900"/>
+              </a:spcBef>
+              <a:spcAft>
+                <a:spcPts val="900"/>
+              </a:spcAft>
+            </a:pPr>
+            <a:r>
+              <a:rPr lang="en-IN" sz="1100" dirty="0">
+                <a:effectLst/>
+                <a:latin typeface="Cambria" panose="02040503050406030204" pitchFamily="18" charset="0"/>
+                <a:ea typeface="Cambria" panose="02040503050406030204" pitchFamily="18" charset="0"/>
+                <a:cs typeface="Mangal" panose="02040503050203030202" pitchFamily="18" charset="0"/>
+              </a:rPr>
+              <a:t>Input: Indira Gandhi Open University is the largest college in India.</a:t>
+            </a:r>
+          </a:p>
+          <a:p>
+            <a:pPr>
+              <a:spcBef>
+                <a:spcPts val="900"/>
+              </a:spcBef>
+              <a:spcAft>
+                <a:spcPts val="900"/>
+              </a:spcAft>
+            </a:pPr>
+            <a:r>
+              <a:rPr lang="en-IN" sz="1100" dirty="0">
+                <a:effectLst/>
+                <a:latin typeface="Cambria" panose="02040503050406030204" pitchFamily="18" charset="0"/>
+                <a:ea typeface="Cambria" panose="02040503050406030204" pitchFamily="18" charset="0"/>
+                <a:cs typeface="Mangal" panose="02040503050203030202" pitchFamily="18" charset="0"/>
+              </a:rPr>
+              <a:t>Tagged: [Indira Gandhi Open University] is the largest college in [India]</a:t>
+            </a:r>
+          </a:p>
+          <a:p>
+            <a:pPr>
+              <a:spcBef>
+                <a:spcPts val="900"/>
+              </a:spcBef>
+              <a:spcAft>
+                <a:spcPts val="900"/>
+              </a:spcAft>
+            </a:pPr>
+            <a:r>
+              <a:rPr lang="en-IN" sz="1100" dirty="0">
+                <a:effectLst/>
+                <a:latin typeface="Cambria" panose="02040503050406030204" pitchFamily="18" charset="0"/>
+                <a:ea typeface="Cambria" panose="02040503050406030204" pitchFamily="18" charset="0"/>
+                <a:cs typeface="Mangal" panose="02040503050203030202" pitchFamily="18" charset="0"/>
+              </a:rPr>
+              <a:t>Entities: Indira, Gandhi, Open, University, India</a:t>
+            </a:r>
+          </a:p>
+          <a:p>
+            <a:pPr>
+              <a:spcBef>
+                <a:spcPts val="900"/>
+              </a:spcBef>
+              <a:spcAft>
+                <a:spcPts val="900"/>
+              </a:spcAft>
+            </a:pPr>
+            <a:r>
+              <a:rPr lang="en-IN" sz="1100" dirty="0">
+                <a:effectLst/>
+                <a:latin typeface="Cambria" panose="02040503050406030204" pitchFamily="18" charset="0"/>
+                <a:ea typeface="Cambria" panose="02040503050406030204" pitchFamily="18" charset="0"/>
+                <a:cs typeface="Mangal" panose="02040503050203030202" pitchFamily="18" charset="0"/>
+              </a:rPr>
+              <a:t>POS Tags: Indira(NNP) Gandhi(NNP) Open(NNP) University(NNP) is(VBZ) the(DT) largest(JJS) college(NN) in(IN) India(NNP)</a:t>
+            </a:r>
+          </a:p>
+          <a:p>
+            <a:pPr>
+              <a:spcBef>
+                <a:spcPts val="900"/>
+              </a:spcBef>
+              <a:spcAft>
+                <a:spcPts val="900"/>
+              </a:spcAft>
+            </a:pPr>
+            <a:r>
+              <a:rPr lang="en-US" sz="1200" b="1" dirty="0">
+                <a:solidFill>
+                  <a:srgbClr val="4F81BD"/>
+                </a:solidFill>
+                <a:effectLst/>
+                <a:latin typeface="Calibri" panose="020F0502020204030204" pitchFamily="34" charset="0"/>
+                <a:ea typeface="Times New Roman" panose="02020603050405020304" pitchFamily="18" charset="0"/>
+                <a:cs typeface="Mangal" panose="02040503050203030202" pitchFamily="18" charset="0"/>
+              </a:rPr>
+              <a:t>ChatGPT’s:</a:t>
+            </a:r>
+          </a:p>
+          <a:p>
+            <a:pPr>
+              <a:spcBef>
+                <a:spcPts val="900"/>
+              </a:spcBef>
+              <a:spcAft>
+                <a:spcPts val="900"/>
+              </a:spcAft>
+            </a:pPr>
+            <a:r>
+              <a:rPr lang="en-IN" sz="1100" dirty="0">
+                <a:latin typeface="Cambria" panose="02040503050406030204" pitchFamily="18" charset="0"/>
+                <a:ea typeface="Cambria" panose="02040503050406030204" pitchFamily="18" charset="0"/>
+                <a:cs typeface="Mangal" panose="02040503050203030202" pitchFamily="18" charset="0"/>
+              </a:rPr>
+              <a:t>Input: Indira Gandhi Open University is the largest college in India.</a:t>
+            </a:r>
+          </a:p>
+          <a:p>
+            <a:pPr>
+              <a:spcBef>
+                <a:spcPts val="900"/>
+              </a:spcBef>
+              <a:spcAft>
+                <a:spcPts val="900"/>
+              </a:spcAft>
+            </a:pPr>
+            <a:r>
+              <a:rPr lang="en-IN" sz="1100" dirty="0">
+                <a:latin typeface="Cambria" panose="02040503050406030204" pitchFamily="18" charset="0"/>
+                <a:ea typeface="Cambria" panose="02040503050406030204" pitchFamily="18" charset="0"/>
+                <a:cs typeface="Mangal" panose="02040503050203030202" pitchFamily="18" charset="0"/>
+              </a:rPr>
+              <a:t>Tagged: [Indira Gandhi Open University] is the largest college in [India]</a:t>
+            </a:r>
+          </a:p>
+          <a:p>
+            <a:pPr>
+              <a:spcBef>
+                <a:spcPts val="900"/>
+              </a:spcBef>
+              <a:spcAft>
+                <a:spcPts val="900"/>
+              </a:spcAft>
+            </a:pPr>
+            <a:r>
+              <a:rPr lang="en-IN" sz="1100" dirty="0">
+                <a:latin typeface="Cambria" panose="02040503050406030204" pitchFamily="18" charset="0"/>
+                <a:ea typeface="Cambria" panose="02040503050406030204" pitchFamily="18" charset="0"/>
+                <a:cs typeface="Mangal" panose="02040503050203030202" pitchFamily="18" charset="0"/>
+              </a:rPr>
+              <a:t>Entities: Indira, Gandhi, Open, University, India</a:t>
+            </a:r>
+          </a:p>
+          <a:p>
+            <a:pPr>
+              <a:spcBef>
+                <a:spcPts val="900"/>
+              </a:spcBef>
+              <a:spcAft>
+                <a:spcPts val="900"/>
+              </a:spcAft>
+            </a:pPr>
+            <a:r>
+              <a:rPr lang="en-IN" sz="1100" dirty="0">
+                <a:latin typeface="Cambria" panose="02040503050406030204" pitchFamily="18" charset="0"/>
+                <a:ea typeface="Cambria" panose="02040503050406030204" pitchFamily="18" charset="0"/>
+                <a:cs typeface="Mangal" panose="02040503050203030202" pitchFamily="18" charset="0"/>
+              </a:rPr>
+              <a:t>POS Tags: Indira(NNP) Gandhi(NNP) Open(NNP) University(NNP) is(VBZ) the(DT) largest(JJS) college(NN) in(IN) India(NNP)</a:t>
+            </a:r>
+            <a:endParaRPr lang="en-IN" sz="1100" b="1" dirty="0">
+              <a:solidFill>
+                <a:srgbClr val="4F81BD"/>
+              </a:solidFill>
+              <a:effectLst/>
+              <a:latin typeface="Calibri" panose="020F0502020204030204" pitchFamily="34" charset="0"/>
+              <a:ea typeface="Times New Roman" panose="02020603050405020304" pitchFamily="18" charset="0"/>
+              <a:cs typeface="Mangal" panose="02040503050203030202" pitchFamily="18" charset="0"/>
+            </a:endParaRPr>
+          </a:p>
+          <a:p>
+            <a:pPr>
+              <a:spcBef>
+                <a:spcPts val="1000"/>
+              </a:spcBef>
+            </a:pPr>
+            <a:r>
+              <a:rPr lang="en-US" sz="1200" b="1" i="1" dirty="0">
+                <a:solidFill>
+                  <a:srgbClr val="4F81BD"/>
+                </a:solidFill>
+                <a:effectLst/>
+                <a:latin typeface="Calibri" panose="020F0502020204030204" pitchFamily="34" charset="0"/>
+                <a:ea typeface="Times New Roman" panose="02020603050405020304" pitchFamily="18" charset="0"/>
+                <a:cs typeface="Mangal" panose="02040503050203030202" pitchFamily="18" charset="0"/>
+              </a:rPr>
+              <a:t>Handling of Abbreviations</a:t>
+            </a:r>
+            <a:endParaRPr lang="en-IN" sz="1200" b="1" i="1" dirty="0">
+              <a:solidFill>
+                <a:srgbClr val="4F81BD"/>
+              </a:solidFill>
+              <a:effectLst/>
+              <a:latin typeface="Calibri" panose="020F0502020204030204" pitchFamily="34" charset="0"/>
+              <a:ea typeface="Times New Roman" panose="02020603050405020304" pitchFamily="18" charset="0"/>
+              <a:cs typeface="Mangal" panose="02040503050203030202" pitchFamily="18" charset="0"/>
+            </a:endParaRPr>
+          </a:p>
+          <a:p>
+            <a:pPr>
+              <a:spcBef>
+                <a:spcPts val="900"/>
+              </a:spcBef>
+              <a:spcAft>
+                <a:spcPts val="900"/>
+              </a:spcAft>
+            </a:pPr>
+            <a:r>
+              <a:rPr lang="en-US" sz="1200" dirty="0">
+                <a:effectLst/>
+                <a:latin typeface="Cambria" panose="02040503050406030204" pitchFamily="18" charset="0"/>
+                <a:ea typeface="Cambria" panose="02040503050406030204" pitchFamily="18" charset="0"/>
+                <a:cs typeface="Mangal" panose="02040503050203030202" pitchFamily="18" charset="0"/>
+              </a:rPr>
+              <a:t>Example: “IBM Corporation” - our System: [IBM Corporation] - ChatGPT: {ORG: “IBM Corporation”}</a:t>
+            </a:r>
+          </a:p>
+          <a:p>
+            <a:pPr>
+              <a:spcBef>
+                <a:spcPts val="1000"/>
+              </a:spcBef>
+            </a:pPr>
+            <a:r>
+              <a:rPr lang="en-US" sz="1200" b="1" i="1" dirty="0">
+                <a:solidFill>
+                  <a:srgbClr val="4F81BD"/>
+                </a:solidFill>
+                <a:effectLst/>
+                <a:latin typeface="Calibri" panose="020F0502020204030204" pitchFamily="34" charset="0"/>
+                <a:ea typeface="Times New Roman" panose="02020603050405020304" pitchFamily="18" charset="0"/>
+                <a:cs typeface="Mangal" panose="02040503050203030202" pitchFamily="18" charset="0"/>
+              </a:rPr>
+              <a:t>Complex Titles</a:t>
+            </a:r>
+            <a:endParaRPr lang="en-IN" sz="1200" b="1" i="1" dirty="0">
+              <a:solidFill>
+                <a:srgbClr val="4F81BD"/>
+              </a:solidFill>
+              <a:effectLst/>
+              <a:latin typeface="Calibri" panose="020F0502020204030204" pitchFamily="34" charset="0"/>
+              <a:ea typeface="Times New Roman" panose="02020603050405020304" pitchFamily="18" charset="0"/>
+              <a:cs typeface="Mangal" panose="02040503050203030202" pitchFamily="18" charset="0"/>
+            </a:endParaRPr>
+          </a:p>
+          <a:p>
+            <a:pPr>
+              <a:spcBef>
+                <a:spcPts val="900"/>
+              </a:spcBef>
+              <a:spcAft>
+                <a:spcPts val="900"/>
+              </a:spcAft>
+            </a:pPr>
+            <a:r>
+              <a:rPr lang="en-US" sz="1200" dirty="0">
+                <a:effectLst/>
+                <a:latin typeface="Cambria" panose="02040503050406030204" pitchFamily="18" charset="0"/>
+                <a:ea typeface="Cambria" panose="02040503050406030204" pitchFamily="18" charset="0"/>
+                <a:cs typeface="Mangal" panose="02040503050203030202" pitchFamily="18" charset="0"/>
+              </a:rPr>
+              <a:t>Example: “Chief Justice John Roberts” - our System: [Chief Justice John Roberts] - ChatGPT: {TITLE: “Chief Justice”} {PERSON: “John Roberts”}</a:t>
+            </a:r>
+            <a:endParaRPr lang="en-IN" sz="1200" dirty="0">
+              <a:effectLst/>
+              <a:latin typeface="Cambria" panose="02040503050406030204" pitchFamily="18" charset="0"/>
+              <a:ea typeface="Cambria" panose="02040503050406030204" pitchFamily="18" charset="0"/>
+              <a:cs typeface="Mangal" panose="02040503050203030202" pitchFamily="18" charset="0"/>
+            </a:endParaRPr>
+          </a:p>
+        </p:txBody>
+      </p:sp>
+    </p:spTree>
+    <p:extLst>
+      <p:ext uri="{BB962C8B-B14F-4D97-AF65-F5344CB8AC3E}">
+        <p14:creationId xmlns:p14="http://schemas.microsoft.com/office/powerpoint/2010/main" val="613510084"/>
+      </p:ext>
+    </p:extLst>
+  </p:cSld>
+  <p:clrMapOvr>
+    <a:masterClrMapping/>
+  </p:clrMapOvr>
+</p:sld>
+</file>
+
+<file path=ppt/slides/slide2.xml><?xml version="1.0" encoding="utf-8"?>
+<p:sld xmlns:a="http://schemas.openxmlformats.org/drawingml/2006/main" xmlns:r="http://schemas.openxmlformats.org/officeDocument/2006/relationships" xmlns:p="http://schemas.openxmlformats.org/presentationml/2006/main">
+  <p:cSld>
+    <p:spTree>
+      <p:nvGrpSpPr>
+        <p:cNvPr id="1" name="Shape 57"/>
+        <p:cNvGrpSpPr/>
+        <p:nvPr/>
+      </p:nvGrpSpPr>
+      <p:grpSpPr>
+        <a:xfrm>
+          <a:off x="0" y="0"/>
+          <a:ext cx="0" cy="0"/>
+          <a:chOff x="0" y="0"/>
+          <a:chExt cx="0" cy="0"/>
+        </a:xfrm>
+      </p:grpSpPr>
+      <p:sp>
+        <p:nvSpPr>
+          <p:cNvPr id="58" name="Google Shape;58;p2"/>
+          <p:cNvSpPr txBox="1">
+            <a:spLocks noGrp="1"/>
+          </p:cNvSpPr>
+          <p:nvPr>
+            <p:ph type="title"/>
+          </p:nvPr>
+        </p:nvSpPr>
+        <p:spPr>
+          <a:xfrm>
+            <a:off x="457200" y="274638"/>
+            <a:ext cx="8229600" cy="1143000"/>
+          </a:xfrm>
+          <a:prstGeom prst="rect">
+            <a:avLst/>
+          </a:prstGeom>
+          <a:noFill/>
+          <a:ln>
+            <a:noFill/>
+          </a:ln>
+        </p:spPr>
+        <p:txBody>
+          <a:bodyPr spcFirstLastPara="1" wrap="square" lIns="91425" tIns="45700" rIns="91425" bIns="45700" anchor="ctr" anchorCtr="0">
+            <a:noAutofit/>
+          </a:bodyPr>
+          <a:lstStyle/>
+          <a:p>
+            <a:pPr marL="0" lvl="0" indent="0" algn="ctr" rtl="0">
+              <a:lnSpc>
+                <a:spcPct val="100000"/>
+              </a:lnSpc>
+              <a:spcBef>
+                <a:spcPts val="0"/>
+              </a:spcBef>
+              <a:spcAft>
+                <a:spcPts val="0"/>
+              </a:spcAft>
+              <a:buSzPts val="1400"/>
+              <a:buNone/>
+            </a:pPr>
+            <a:r>
+              <a:rPr lang="en-IN" b="1"/>
+              <a:t>Problem Statement</a:t>
+            </a:r>
+            <a:endParaRPr b="1"/>
+          </a:p>
+        </p:txBody>
+      </p:sp>
+      <p:sp>
+        <p:nvSpPr>
+          <p:cNvPr id="59" name="Google Shape;59;p2"/>
+          <p:cNvSpPr txBox="1">
+            <a:spLocks noGrp="1"/>
+          </p:cNvSpPr>
+          <p:nvPr>
+            <p:ph type="body" idx="1"/>
+          </p:nvPr>
+        </p:nvSpPr>
+        <p:spPr>
+          <a:xfrm>
+            <a:off x="457200" y="1600200"/>
+            <a:ext cx="8229600" cy="4525963"/>
+          </a:xfrm>
+          <a:prstGeom prst="rect">
+            <a:avLst/>
+          </a:prstGeom>
+          <a:noFill/>
+          <a:ln>
+            <a:noFill/>
+          </a:ln>
+        </p:spPr>
+        <p:txBody>
+          <a:bodyPr spcFirstLastPara="1" wrap="square" lIns="91425" tIns="45700" rIns="91425" bIns="45700" anchor="t" anchorCtr="0">
+            <a:noAutofit/>
+          </a:bodyPr>
+          <a:lstStyle/>
+          <a:p>
+            <a:pPr marL="457200" lvl="0" indent="-381000" algn="l" rtl="0">
+              <a:lnSpc>
+                <a:spcPct val="100000"/>
+              </a:lnSpc>
+              <a:spcBef>
+                <a:spcPts val="480"/>
+              </a:spcBef>
+              <a:spcAft>
+                <a:spcPts val="0"/>
+              </a:spcAft>
+              <a:buSzPts val="2400"/>
+              <a:buChar char="•"/>
+            </a:pPr>
+            <a:r>
+              <a:rPr lang="en-IN"/>
+              <a:t>Perform Named-Entity Identification using SVM classifier with appropriate feature engineering</a:t>
+            </a:r>
+            <a:endParaRPr/>
+          </a:p>
+          <a:p>
+            <a:pPr marL="457200" lvl="0" indent="-228600" algn="l" rtl="0">
+              <a:lnSpc>
+                <a:spcPct val="100000"/>
+              </a:lnSpc>
+              <a:spcBef>
+                <a:spcPts val="480"/>
+              </a:spcBef>
+              <a:spcAft>
+                <a:spcPts val="0"/>
+              </a:spcAft>
+              <a:buSzPts val="2400"/>
+              <a:buNone/>
+            </a:pPr>
+            <a:endParaRPr/>
+          </a:p>
+          <a:p>
+            <a:pPr marL="457200" lvl="0" indent="-381000" algn="l" rtl="0">
+              <a:lnSpc>
+                <a:spcPct val="100000"/>
+              </a:lnSpc>
+              <a:spcBef>
+                <a:spcPts val="480"/>
+              </a:spcBef>
+              <a:spcAft>
+                <a:spcPts val="0"/>
+              </a:spcAft>
+              <a:buSzPts val="2400"/>
+              <a:buChar char="•"/>
+            </a:pPr>
+            <a:r>
+              <a:rPr lang="en-IN" b="1">
+                <a:solidFill>
+                  <a:srgbClr val="009900"/>
+                </a:solidFill>
+              </a:rPr>
+              <a:t>Technique to be used</a:t>
+            </a:r>
+            <a:r>
+              <a:rPr lang="en-IN"/>
+              <a:t>: SVM classifier</a:t>
+            </a:r>
+            <a:endParaRPr/>
+          </a:p>
+          <a:p>
+            <a:pPr marL="457200" lvl="0" indent="-228600" algn="l" rtl="0">
+              <a:lnSpc>
+                <a:spcPct val="100000"/>
+              </a:lnSpc>
+              <a:spcBef>
+                <a:spcPts val="480"/>
+              </a:spcBef>
+              <a:spcAft>
+                <a:spcPts val="0"/>
+              </a:spcAft>
+              <a:buSzPts val="2400"/>
+              <a:buNone/>
+            </a:pPr>
+            <a:endParaRPr/>
+          </a:p>
+          <a:p>
+            <a:pPr marL="457200" lvl="0" indent="-381000" algn="l" rtl="0">
+              <a:lnSpc>
+                <a:spcPct val="100000"/>
+              </a:lnSpc>
+              <a:spcBef>
+                <a:spcPts val="480"/>
+              </a:spcBef>
+              <a:spcAft>
+                <a:spcPts val="0"/>
+              </a:spcAft>
+              <a:buSzPts val="2400"/>
+              <a:buChar char="•"/>
+            </a:pPr>
+            <a:r>
+              <a:rPr lang="en-IN" b="1">
+                <a:solidFill>
+                  <a:srgbClr val="009900"/>
+                </a:solidFill>
+              </a:rPr>
+              <a:t>Dataset</a:t>
+            </a:r>
+            <a:r>
+              <a:rPr lang="en-IN"/>
+              <a:t>: CoNLL-2003 NER Data; https://paperswithcode.com/dataset/conll-2003 and</a:t>
+            </a:r>
+            <a:endParaRPr/>
+          </a:p>
+          <a:p>
+            <a:pPr marL="457200" lvl="0" indent="0" algn="l" rtl="0">
+              <a:lnSpc>
+                <a:spcPct val="100000"/>
+              </a:lnSpc>
+              <a:spcBef>
+                <a:spcPts val="480"/>
+              </a:spcBef>
+              <a:spcAft>
+                <a:spcPts val="0"/>
+              </a:spcAft>
+              <a:buSzPts val="2400"/>
+              <a:buNone/>
+            </a:pPr>
+            <a:r>
+              <a:rPr lang="en-IN"/>
+              <a:t>https://huggingface.co/datasets/conll2003 (they are same data, but have common and distinct</a:t>
+            </a:r>
+            <a:endParaRPr/>
+          </a:p>
+          <a:p>
+            <a:pPr marL="457200" lvl="0" indent="0" algn="l" rtl="0">
+              <a:lnSpc>
+                <a:spcPct val="100000"/>
+              </a:lnSpc>
+              <a:spcBef>
+                <a:spcPts val="480"/>
+              </a:spcBef>
+              <a:spcAft>
+                <a:spcPts val="0"/>
+              </a:spcAft>
+              <a:buSzPts val="2400"/>
+              <a:buNone/>
+            </a:pPr>
+            <a:r>
+              <a:rPr lang="en-IN"/>
+              <a:t>information)</a:t>
+            </a:r>
+            <a:endParaRPr/>
+          </a:p>
+          <a:p>
+            <a:pPr marL="457200" lvl="0" indent="0" algn="l" rtl="0">
+              <a:lnSpc>
+                <a:spcPct val="100000"/>
+              </a:lnSpc>
+              <a:spcBef>
+                <a:spcPts val="480"/>
+              </a:spcBef>
+              <a:spcAft>
+                <a:spcPts val="0"/>
+              </a:spcAft>
+              <a:buSzPts val="2400"/>
+              <a:buNone/>
+            </a:pPr>
+            <a:r>
+              <a:rPr lang="en-IN"/>
+              <a:t>(</a:t>
+            </a:r>
+            <a:r>
+              <a:rPr lang="en-IN" b="1"/>
+              <a:t>Map B, I tags to 1, Rest 0)</a:t>
+            </a:r>
+            <a:endParaRPr b="1"/>
+          </a:p>
+        </p:txBody>
+      </p:sp>
+    </p:spTree>
+  </p:cSld>
+  <p:clrMapOvr>
+    <a:masterClrMapping/>
+  </p:clrMapOvr>
+</p:sld>
+</file>
+
+<file path=ppt/slides/slide20.xml><?xml version="1.0" encoding="utf-8"?>
+<p:sld xmlns:a="http://schemas.openxmlformats.org/drawingml/2006/main" xmlns:r="http://schemas.openxmlformats.org/officeDocument/2006/relationships" xmlns:p="http://schemas.openxmlformats.org/presentationml/2006/main">
+  <p:cSld>
+    <p:spTree>
+      <p:nvGrpSpPr>
+        <p:cNvPr id="1" name="Shape 104">
+          <a:extLst>
+            <a:ext uri="{FF2B5EF4-FFF2-40B4-BE49-F238E27FC236}">
               <a16:creationId xmlns:a16="http://schemas.microsoft.com/office/drawing/2014/main" id="{059A62A3-5581-F52E-88E9-FF38962DE144}"/>
             </a:ext>
           </a:extLst>
@@ -15117,7 +17251,426 @@
 </p:sld>
 </file>
 
-<file path=ppt/slides/slide19.xml><?xml version="1.0" encoding="utf-8"?>
+<file path=ppt/slides/slide21.xml><?xml version="1.0" encoding="utf-8"?>
+<p:sld xmlns:a="http://schemas.openxmlformats.org/drawingml/2006/main" xmlns:r="http://schemas.openxmlformats.org/officeDocument/2006/relationships" xmlns:p="http://schemas.openxmlformats.org/presentationml/2006/main">
+  <p:cSld>
+    <p:spTree>
+      <p:nvGrpSpPr>
+        <p:cNvPr id="1" name="Shape 104">
+          <a:extLst>
+            <a:ext uri="{FF2B5EF4-FFF2-40B4-BE49-F238E27FC236}">
+              <a16:creationId xmlns:a16="http://schemas.microsoft.com/office/drawing/2014/main" id="{41F07C58-2C9E-2AEA-797D-BB6725A652F2}"/>
+            </a:ext>
+          </a:extLst>
+        </p:cNvPr>
+        <p:cNvGrpSpPr/>
+        <p:nvPr/>
+      </p:nvGrpSpPr>
+      <p:grpSpPr>
+        <a:xfrm>
+          <a:off x="0" y="0"/>
+          <a:ext cx="0" cy="0"/>
+          <a:chOff x="0" y="0"/>
+          <a:chExt cx="0" cy="0"/>
+        </a:xfrm>
+      </p:grpSpPr>
+      <p:sp>
+        <p:nvSpPr>
+          <p:cNvPr id="105" name="Google Shape;105;g30cbc3fc3c3_0_2">
+            <a:extLst>
+              <a:ext uri="{FF2B5EF4-FFF2-40B4-BE49-F238E27FC236}">
+                <a16:creationId xmlns:a16="http://schemas.microsoft.com/office/drawing/2014/main" id="{4F5B4232-18C6-D98C-6375-BF4027605DB2}"/>
+              </a:ext>
+            </a:extLst>
+          </p:cNvPr>
+          <p:cNvSpPr txBox="1">
+            <a:spLocks noGrp="1"/>
+          </p:cNvSpPr>
+          <p:nvPr>
+            <p:ph type="title"/>
+          </p:nvPr>
+        </p:nvSpPr>
+        <p:spPr>
+          <a:xfrm>
+            <a:off x="457200" y="-264858"/>
+            <a:ext cx="8229600" cy="1143000"/>
+          </a:xfrm>
+          <a:prstGeom prst="rect">
+            <a:avLst/>
+          </a:prstGeom>
+          <a:noFill/>
+          <a:ln>
+            <a:noFill/>
+          </a:ln>
+        </p:spPr>
+        <p:txBody>
+          <a:bodyPr spcFirstLastPara="1" wrap="square" lIns="91425" tIns="45700" rIns="91425" bIns="45700" anchor="ctr" anchorCtr="0">
+            <a:noAutofit/>
+          </a:bodyPr>
+          <a:lstStyle/>
+          <a:p>
+            <a:pPr marL="0" lvl="0" indent="457200" algn="l" rtl="0">
+              <a:lnSpc>
+                <a:spcPct val="100000"/>
+              </a:lnSpc>
+              <a:spcBef>
+                <a:spcPts val="0"/>
+              </a:spcBef>
+              <a:spcAft>
+                <a:spcPts val="0"/>
+              </a:spcAft>
+              <a:buSzPts val="1400"/>
+              <a:buNone/>
+            </a:pPr>
+            <a:r>
+              <a:rPr lang="en-IN" b="1" dirty="0"/>
+              <a:t> Comparison with ChatGPT</a:t>
+            </a:r>
+            <a:endParaRPr b="1" dirty="0"/>
+          </a:p>
+        </p:txBody>
+      </p:sp>
+      <p:sp>
+        <p:nvSpPr>
+          <p:cNvPr id="3" name="Google Shape;100;p6">
+            <a:extLst>
+              <a:ext uri="{FF2B5EF4-FFF2-40B4-BE49-F238E27FC236}">
+                <a16:creationId xmlns:a16="http://schemas.microsoft.com/office/drawing/2014/main" id="{581B946C-4C77-AF20-158F-81D4C44125CA}"/>
+              </a:ext>
+            </a:extLst>
+          </p:cNvPr>
+          <p:cNvSpPr txBox="1">
+            <a:spLocks/>
+          </p:cNvSpPr>
+          <p:nvPr/>
+        </p:nvSpPr>
+        <p:spPr>
+          <a:xfrm>
+            <a:off x="451792" y="539496"/>
+            <a:ext cx="8229600" cy="5513832"/>
+          </a:xfrm>
+          <a:prstGeom prst="rect">
+            <a:avLst/>
+          </a:prstGeom>
+          <a:noFill/>
+          <a:ln>
+            <a:noFill/>
+          </a:ln>
+        </p:spPr>
+        <p:txBody>
+          <a:bodyPr spcFirstLastPara="1" wrap="square" lIns="91425" tIns="45700" rIns="91425" bIns="45700" numCol="1" anchor="t" anchorCtr="0">
+            <a:noAutofit/>
+          </a:bodyPr>
+          <a:lstStyle>
+            <a:defPPr marR="0" lvl="0" algn="l" rtl="0">
+              <a:lnSpc>
+                <a:spcPct val="100000"/>
+              </a:lnSpc>
+              <a:spcBef>
+                <a:spcPts val="0"/>
+              </a:spcBef>
+              <a:spcAft>
+                <a:spcPts val="0"/>
+              </a:spcAft>
+            </a:defPPr>
+            <a:lvl1pPr marR="0" lvl="0" algn="l" rtl="0">
+              <a:lnSpc>
+                <a:spcPct val="100000"/>
+              </a:lnSpc>
+              <a:spcBef>
+                <a:spcPts val="0"/>
+              </a:spcBef>
+              <a:spcAft>
+                <a:spcPts val="0"/>
+              </a:spcAft>
+              <a:buClr>
+                <a:srgbClr val="000000"/>
+              </a:buClr>
+              <a:buFont typeface="Arial"/>
+              <a:defRPr sz="1400" b="0" i="0" u="none" strike="noStrike" cap="none">
+                <a:solidFill>
+                  <a:srgbClr val="000000"/>
+                </a:solidFill>
+                <a:latin typeface="Arial"/>
+                <a:ea typeface="Arial"/>
+                <a:cs typeface="Arial"/>
+                <a:sym typeface="Arial"/>
+              </a:defRPr>
+            </a:lvl1pPr>
+            <a:lvl2pPr marR="0" lvl="1" algn="l" rtl="0">
+              <a:lnSpc>
+                <a:spcPct val="100000"/>
+              </a:lnSpc>
+              <a:spcBef>
+                <a:spcPts val="0"/>
+              </a:spcBef>
+              <a:spcAft>
+                <a:spcPts val="0"/>
+              </a:spcAft>
+              <a:buClr>
+                <a:srgbClr val="000000"/>
+              </a:buClr>
+              <a:buFont typeface="Arial"/>
+              <a:defRPr sz="1400" b="0" i="0" u="none" strike="noStrike" cap="none">
+                <a:solidFill>
+                  <a:srgbClr val="000000"/>
+                </a:solidFill>
+                <a:latin typeface="Arial"/>
+                <a:ea typeface="Arial"/>
+                <a:cs typeface="Arial"/>
+                <a:sym typeface="Arial"/>
+              </a:defRPr>
+            </a:lvl2pPr>
+            <a:lvl3pPr marR="0" lvl="2" algn="l" rtl="0">
+              <a:lnSpc>
+                <a:spcPct val="100000"/>
+              </a:lnSpc>
+              <a:spcBef>
+                <a:spcPts val="0"/>
+              </a:spcBef>
+              <a:spcAft>
+                <a:spcPts val="0"/>
+              </a:spcAft>
+              <a:buClr>
+                <a:srgbClr val="000000"/>
+              </a:buClr>
+              <a:buFont typeface="Arial"/>
+              <a:defRPr sz="1400" b="0" i="0" u="none" strike="noStrike" cap="none">
+                <a:solidFill>
+                  <a:srgbClr val="000000"/>
+                </a:solidFill>
+                <a:latin typeface="Arial"/>
+                <a:ea typeface="Arial"/>
+                <a:cs typeface="Arial"/>
+                <a:sym typeface="Arial"/>
+              </a:defRPr>
+            </a:lvl3pPr>
+            <a:lvl4pPr marR="0" lvl="3" algn="l" rtl="0">
+              <a:lnSpc>
+                <a:spcPct val="100000"/>
+              </a:lnSpc>
+              <a:spcBef>
+                <a:spcPts val="0"/>
+              </a:spcBef>
+              <a:spcAft>
+                <a:spcPts val="0"/>
+              </a:spcAft>
+              <a:buClr>
+                <a:srgbClr val="000000"/>
+              </a:buClr>
+              <a:buFont typeface="Arial"/>
+              <a:defRPr sz="1400" b="0" i="0" u="none" strike="noStrike" cap="none">
+                <a:solidFill>
+                  <a:srgbClr val="000000"/>
+                </a:solidFill>
+                <a:latin typeface="Arial"/>
+                <a:ea typeface="Arial"/>
+                <a:cs typeface="Arial"/>
+                <a:sym typeface="Arial"/>
+              </a:defRPr>
+            </a:lvl4pPr>
+            <a:lvl5pPr marR="0" lvl="4" algn="l" rtl="0">
+              <a:lnSpc>
+                <a:spcPct val="100000"/>
+              </a:lnSpc>
+              <a:spcBef>
+                <a:spcPts val="0"/>
+              </a:spcBef>
+              <a:spcAft>
+                <a:spcPts val="0"/>
+              </a:spcAft>
+              <a:buClr>
+                <a:srgbClr val="000000"/>
+              </a:buClr>
+              <a:buFont typeface="Arial"/>
+              <a:defRPr sz="1400" b="0" i="0" u="none" strike="noStrike" cap="none">
+                <a:solidFill>
+                  <a:srgbClr val="000000"/>
+                </a:solidFill>
+                <a:latin typeface="Arial"/>
+                <a:ea typeface="Arial"/>
+                <a:cs typeface="Arial"/>
+                <a:sym typeface="Arial"/>
+              </a:defRPr>
+            </a:lvl5pPr>
+            <a:lvl6pPr marR="0" lvl="5" algn="l" rtl="0">
+              <a:lnSpc>
+                <a:spcPct val="100000"/>
+              </a:lnSpc>
+              <a:spcBef>
+                <a:spcPts val="0"/>
+              </a:spcBef>
+              <a:spcAft>
+                <a:spcPts val="0"/>
+              </a:spcAft>
+              <a:buClr>
+                <a:srgbClr val="000000"/>
+              </a:buClr>
+              <a:buFont typeface="Arial"/>
+              <a:defRPr sz="1400" b="0" i="0" u="none" strike="noStrike" cap="none">
+                <a:solidFill>
+                  <a:srgbClr val="000000"/>
+                </a:solidFill>
+                <a:latin typeface="Arial"/>
+                <a:ea typeface="Arial"/>
+                <a:cs typeface="Arial"/>
+                <a:sym typeface="Arial"/>
+              </a:defRPr>
+            </a:lvl6pPr>
+            <a:lvl7pPr marR="0" lvl="6" algn="l" rtl="0">
+              <a:lnSpc>
+                <a:spcPct val="100000"/>
+              </a:lnSpc>
+              <a:spcBef>
+                <a:spcPts val="0"/>
+              </a:spcBef>
+              <a:spcAft>
+                <a:spcPts val="0"/>
+              </a:spcAft>
+              <a:buClr>
+                <a:srgbClr val="000000"/>
+              </a:buClr>
+              <a:buFont typeface="Arial"/>
+              <a:defRPr sz="1400" b="0" i="0" u="none" strike="noStrike" cap="none">
+                <a:solidFill>
+                  <a:srgbClr val="000000"/>
+                </a:solidFill>
+                <a:latin typeface="Arial"/>
+                <a:ea typeface="Arial"/>
+                <a:cs typeface="Arial"/>
+                <a:sym typeface="Arial"/>
+              </a:defRPr>
+            </a:lvl7pPr>
+            <a:lvl8pPr marR="0" lvl="7" algn="l" rtl="0">
+              <a:lnSpc>
+                <a:spcPct val="100000"/>
+              </a:lnSpc>
+              <a:spcBef>
+                <a:spcPts val="0"/>
+              </a:spcBef>
+              <a:spcAft>
+                <a:spcPts val="0"/>
+              </a:spcAft>
+              <a:buClr>
+                <a:srgbClr val="000000"/>
+              </a:buClr>
+              <a:buFont typeface="Arial"/>
+              <a:defRPr sz="1400" b="0" i="0" u="none" strike="noStrike" cap="none">
+                <a:solidFill>
+                  <a:srgbClr val="000000"/>
+                </a:solidFill>
+                <a:latin typeface="Arial"/>
+                <a:ea typeface="Arial"/>
+                <a:cs typeface="Arial"/>
+                <a:sym typeface="Arial"/>
+              </a:defRPr>
+            </a:lvl8pPr>
+            <a:lvl9pPr marR="0" lvl="8" algn="l" rtl="0">
+              <a:lnSpc>
+                <a:spcPct val="100000"/>
+              </a:lnSpc>
+              <a:spcBef>
+                <a:spcPts val="0"/>
+              </a:spcBef>
+              <a:spcAft>
+                <a:spcPts val="0"/>
+              </a:spcAft>
+              <a:buClr>
+                <a:srgbClr val="000000"/>
+              </a:buClr>
+              <a:buFont typeface="Arial"/>
+              <a:defRPr sz="1400" b="0" i="0" u="none" strike="noStrike" cap="none">
+                <a:solidFill>
+                  <a:srgbClr val="000000"/>
+                </a:solidFill>
+                <a:latin typeface="Arial"/>
+                <a:ea typeface="Arial"/>
+                <a:cs typeface="Arial"/>
+                <a:sym typeface="Arial"/>
+              </a:defRPr>
+            </a:lvl9pPr>
+          </a:lstStyle>
+          <a:p>
+            <a:pPr>
+              <a:spcBef>
+                <a:spcPts val="1000"/>
+              </a:spcBef>
+            </a:pPr>
+            <a:r>
+              <a:rPr lang="en-US" sz="2400" b="1" dirty="0">
+                <a:solidFill>
+                  <a:srgbClr val="4F81BD"/>
+                </a:solidFill>
+                <a:effectLst/>
+                <a:latin typeface="Calibri" panose="020F0502020204030204" pitchFamily="34" charset="0"/>
+                <a:ea typeface="Times New Roman" panose="02020603050405020304" pitchFamily="18" charset="0"/>
+                <a:cs typeface="Mangal" panose="02040503050203030202" pitchFamily="18" charset="0"/>
+              </a:rPr>
+              <a:t>Performance Metrics</a:t>
+            </a:r>
+          </a:p>
+          <a:p>
+            <a:pPr>
+              <a:spcBef>
+                <a:spcPts val="1000"/>
+              </a:spcBef>
+            </a:pPr>
+            <a:endParaRPr lang="en-IN" sz="1800" b="1" dirty="0">
+              <a:solidFill>
+                <a:srgbClr val="4F81BD"/>
+              </a:solidFill>
+              <a:effectLst/>
+              <a:latin typeface="Calibri" panose="020F0502020204030204" pitchFamily="34" charset="0"/>
+              <a:ea typeface="Times New Roman" panose="02020603050405020304" pitchFamily="18" charset="0"/>
+              <a:cs typeface="Mangal" panose="02040503050203030202" pitchFamily="18" charset="0"/>
+            </a:endParaRPr>
+          </a:p>
+        </p:txBody>
+      </p:sp>
+      <p:pic>
+        <p:nvPicPr>
+          <p:cNvPr id="4" name="Picture 3">
+            <a:extLst>
+              <a:ext uri="{FF2B5EF4-FFF2-40B4-BE49-F238E27FC236}">
+                <a16:creationId xmlns:a16="http://schemas.microsoft.com/office/drawing/2014/main" id="{DF7C8D41-048A-286E-0559-335143E27DC2}"/>
+              </a:ext>
+            </a:extLst>
+          </p:cNvPr>
+          <p:cNvPicPr>
+            <a:picLocks noChangeAspect="1"/>
+          </p:cNvPicPr>
+          <p:nvPr/>
+        </p:nvPicPr>
+        <p:blipFill>
+          <a:blip r:embed="rId3"/>
+          <a:stretch>
+            <a:fillRect/>
+          </a:stretch>
+        </p:blipFill>
+        <p:spPr>
+          <a:xfrm>
+            <a:off x="509360" y="1161288"/>
+            <a:ext cx="8114464" cy="5623560"/>
+          </a:xfrm>
+          <a:prstGeom prst="rect">
+            <a:avLst/>
+          </a:prstGeom>
+        </p:spPr>
+      </p:pic>
+    </p:spTree>
+    <p:extLst>
+      <p:ext uri="{BB962C8B-B14F-4D97-AF65-F5344CB8AC3E}">
+        <p14:creationId xmlns:p14="http://schemas.microsoft.com/office/powerpoint/2010/main" val="2936906281"/>
+      </p:ext>
+    </p:extLst>
+  </p:cSld>
+  <p:clrMapOvr>
+    <a:masterClrMapping/>
+  </p:clrMapOvr>
+</p:sld>
+</file>
+
+<file path=ppt/slides/slide22.xml><?xml version="1.0" encoding="utf-8"?>
 <p:sld xmlns:a="http://schemas.openxmlformats.org/drawingml/2006/main" xmlns:r="http://schemas.openxmlformats.org/officeDocument/2006/relationships" xmlns:p="http://schemas.openxmlformats.org/presentationml/2006/main">
   <p:cSld>
     <p:spTree>
@@ -15805,284 +18358,7 @@
 </p:sld>
 </file>
 
-<file path=ppt/slides/slide2.xml><?xml version="1.0" encoding="utf-8"?>
-<p:sld xmlns:a="http://schemas.openxmlformats.org/drawingml/2006/main" xmlns:r="http://schemas.openxmlformats.org/officeDocument/2006/relationships" xmlns:p="http://schemas.openxmlformats.org/presentationml/2006/main">
-  <p:cSld>
-    <p:spTree>
-      <p:nvGrpSpPr>
-        <p:cNvPr id="1" name="Shape 57"/>
-        <p:cNvGrpSpPr/>
-        <p:nvPr/>
-      </p:nvGrpSpPr>
-      <p:grpSpPr>
-        <a:xfrm>
-          <a:off x="0" y="0"/>
-          <a:ext cx="0" cy="0"/>
-          <a:chOff x="0" y="0"/>
-          <a:chExt cx="0" cy="0"/>
-        </a:xfrm>
-      </p:grpSpPr>
-      <p:sp>
-        <p:nvSpPr>
-          <p:cNvPr id="58" name="Google Shape;58;p2"/>
-          <p:cNvSpPr txBox="1">
-            <a:spLocks noGrp="1"/>
-          </p:cNvSpPr>
-          <p:nvPr>
-            <p:ph type="title"/>
-          </p:nvPr>
-        </p:nvSpPr>
-        <p:spPr>
-          <a:xfrm>
-            <a:off x="457200" y="274638"/>
-            <a:ext cx="8229600" cy="1143000"/>
-          </a:xfrm>
-          <a:prstGeom prst="rect">
-            <a:avLst/>
-          </a:prstGeom>
-          <a:noFill/>
-          <a:ln>
-            <a:noFill/>
-          </a:ln>
-        </p:spPr>
-        <p:txBody>
-          <a:bodyPr spcFirstLastPara="1" wrap="square" lIns="91425" tIns="45700" rIns="91425" bIns="45700" anchor="ctr" anchorCtr="0">
-            <a:noAutofit/>
-          </a:bodyPr>
-          <a:lstStyle/>
-          <a:p>
-            <a:pPr marL="0" lvl="0" indent="0" algn="ctr" rtl="0">
-              <a:lnSpc>
-                <a:spcPct val="100000"/>
-              </a:lnSpc>
-              <a:spcBef>
-                <a:spcPts val="0"/>
-              </a:spcBef>
-              <a:spcAft>
-                <a:spcPts val="0"/>
-              </a:spcAft>
-              <a:buSzPts val="1400"/>
-              <a:buNone/>
-            </a:pPr>
-            <a:r>
-              <a:rPr lang="en-IN" b="1"/>
-              <a:t>Problem Statement</a:t>
-            </a:r>
-            <a:endParaRPr b="1"/>
-          </a:p>
-        </p:txBody>
-      </p:sp>
-      <p:sp>
-        <p:nvSpPr>
-          <p:cNvPr id="59" name="Google Shape;59;p2"/>
-          <p:cNvSpPr txBox="1">
-            <a:spLocks noGrp="1"/>
-          </p:cNvSpPr>
-          <p:nvPr>
-            <p:ph type="body" idx="1"/>
-          </p:nvPr>
-        </p:nvSpPr>
-        <p:spPr>
-          <a:xfrm>
-            <a:off x="457200" y="1600200"/>
-            <a:ext cx="8229600" cy="4525963"/>
-          </a:xfrm>
-          <a:prstGeom prst="rect">
-            <a:avLst/>
-          </a:prstGeom>
-          <a:noFill/>
-          <a:ln>
-            <a:noFill/>
-          </a:ln>
-        </p:spPr>
-        <p:txBody>
-          <a:bodyPr spcFirstLastPara="1" wrap="square" lIns="91425" tIns="45700" rIns="91425" bIns="45700" anchor="t" anchorCtr="0">
-            <a:noAutofit/>
-          </a:bodyPr>
-          <a:lstStyle/>
-          <a:p>
-            <a:pPr marL="457200" lvl="0" indent="-381000" algn="l" rtl="0">
-              <a:lnSpc>
-                <a:spcPct val="100000"/>
-              </a:lnSpc>
-              <a:spcBef>
-                <a:spcPts val="480"/>
-              </a:spcBef>
-              <a:spcAft>
-                <a:spcPts val="0"/>
-              </a:spcAft>
-              <a:buSzPts val="2400"/>
-              <a:buChar char="•"/>
-            </a:pPr>
-            <a:r>
-              <a:rPr lang="en-IN"/>
-              <a:t>Perform Named-Entity Identification using SVM classifier with appropriate feature engineering</a:t>
-            </a:r>
-            <a:endParaRPr/>
-          </a:p>
-          <a:p>
-            <a:pPr marL="457200" lvl="0" indent="-228600" algn="l" rtl="0">
-              <a:lnSpc>
-                <a:spcPct val="100000"/>
-              </a:lnSpc>
-              <a:spcBef>
-                <a:spcPts val="480"/>
-              </a:spcBef>
-              <a:spcAft>
-                <a:spcPts val="0"/>
-              </a:spcAft>
-              <a:buSzPts val="2400"/>
-              <a:buNone/>
-            </a:pPr>
-            <a:endParaRPr/>
-          </a:p>
-          <a:p>
-            <a:pPr marL="457200" lvl="0" indent="-381000" algn="l" rtl="0">
-              <a:lnSpc>
-                <a:spcPct val="100000"/>
-              </a:lnSpc>
-              <a:spcBef>
-                <a:spcPts val="480"/>
-              </a:spcBef>
-              <a:spcAft>
-                <a:spcPts val="0"/>
-              </a:spcAft>
-              <a:buSzPts val="2400"/>
-              <a:buChar char="•"/>
-            </a:pPr>
-            <a:r>
-              <a:rPr lang="en-IN" b="1">
-                <a:solidFill>
-                  <a:srgbClr val="009900"/>
-                </a:solidFill>
-              </a:rPr>
-              <a:t>Technique to be used</a:t>
-            </a:r>
-            <a:r>
-              <a:rPr lang="en-IN"/>
-              <a:t>: SVM classifier</a:t>
-            </a:r>
-            <a:endParaRPr/>
-          </a:p>
-          <a:p>
-            <a:pPr marL="457200" lvl="0" indent="-228600" algn="l" rtl="0">
-              <a:lnSpc>
-                <a:spcPct val="100000"/>
-              </a:lnSpc>
-              <a:spcBef>
-                <a:spcPts val="480"/>
-              </a:spcBef>
-              <a:spcAft>
-                <a:spcPts val="0"/>
-              </a:spcAft>
-              <a:buSzPts val="2400"/>
-              <a:buNone/>
-            </a:pPr>
-            <a:endParaRPr/>
-          </a:p>
-          <a:p>
-            <a:pPr marL="457200" lvl="0" indent="-381000" algn="l" rtl="0">
-              <a:lnSpc>
-                <a:spcPct val="100000"/>
-              </a:lnSpc>
-              <a:spcBef>
-                <a:spcPts val="480"/>
-              </a:spcBef>
-              <a:spcAft>
-                <a:spcPts val="0"/>
-              </a:spcAft>
-              <a:buSzPts val="2400"/>
-              <a:buChar char="•"/>
-            </a:pPr>
-            <a:r>
-              <a:rPr lang="en-IN" b="1">
-                <a:solidFill>
-                  <a:srgbClr val="009900"/>
-                </a:solidFill>
-              </a:rPr>
-              <a:t>Dataset</a:t>
-            </a:r>
-            <a:r>
-              <a:rPr lang="en-IN"/>
-              <a:t>: CoNLL-2003 NER Data; https://paperswithcode.com/dataset/conll-2003 and</a:t>
-            </a:r>
-            <a:endParaRPr/>
-          </a:p>
-          <a:p>
-            <a:pPr marL="457200" lvl="0" indent="0" algn="l" rtl="0">
-              <a:lnSpc>
-                <a:spcPct val="100000"/>
-              </a:lnSpc>
-              <a:spcBef>
-                <a:spcPts val="480"/>
-              </a:spcBef>
-              <a:spcAft>
-                <a:spcPts val="0"/>
-              </a:spcAft>
-              <a:buSzPts val="2400"/>
-              <a:buNone/>
-            </a:pPr>
-            <a:r>
-              <a:rPr lang="en-IN"/>
-              <a:t>https://huggingface.co/datasets/conll2003 (they are same data, but have common and distinct</a:t>
-            </a:r>
-            <a:endParaRPr/>
-          </a:p>
-          <a:p>
-            <a:pPr marL="457200" lvl="0" indent="0" algn="l" rtl="0">
-              <a:lnSpc>
-                <a:spcPct val="100000"/>
-              </a:lnSpc>
-              <a:spcBef>
-                <a:spcPts val="480"/>
-              </a:spcBef>
-              <a:spcAft>
-                <a:spcPts val="0"/>
-              </a:spcAft>
-              <a:buSzPts val="2400"/>
-              <a:buNone/>
-            </a:pPr>
-            <a:r>
-              <a:rPr lang="en-IN"/>
-              <a:t>information)</a:t>
-            </a:r>
-            <a:endParaRPr/>
-          </a:p>
-          <a:p>
-            <a:pPr marL="457200" lvl="0" indent="0" algn="l" rtl="0">
-              <a:lnSpc>
-                <a:spcPct val="100000"/>
-              </a:lnSpc>
-              <a:spcBef>
-                <a:spcPts val="480"/>
-              </a:spcBef>
-              <a:spcAft>
-                <a:spcPts val="0"/>
-              </a:spcAft>
-              <a:buSzPts val="2400"/>
-              <a:buNone/>
-            </a:pPr>
-            <a:r>
-              <a:rPr lang="en-IN"/>
-              <a:t>(</a:t>
-            </a:r>
-            <a:r>
-              <a:rPr lang="en-IN" b="1"/>
-              <a:t>Map B, I tags to 1, Rest 0)</a:t>
-            </a:r>
-            <a:endParaRPr b="1"/>
-          </a:p>
-        </p:txBody>
-      </p:sp>
-    </p:spTree>
-  </p:cSld>
-  <p:clrMapOvr>
-    <a:masterClrMapping/>
-  </p:clrMapOvr>
-</p:sld>
-</file>
-
-<file path=ppt/slides/slide20.xml><?xml version="1.0" encoding="utf-8"?>
+<file path=ppt/slides/slide23.xml><?xml version="1.0" encoding="utf-8"?>
 <p:sld xmlns:a="http://schemas.openxmlformats.org/drawingml/2006/main" xmlns:r="http://schemas.openxmlformats.org/officeDocument/2006/relationships" xmlns:p="http://schemas.openxmlformats.org/presentationml/2006/main">
   <p:cSld>
     <p:spTree>
@@ -16959,7 +19235,7 @@
 </p:sld>
 </file>
 
-<file path=ppt/slides/slide21.xml><?xml version="1.0" encoding="utf-8"?>
+<file path=ppt/slides/slide24.xml><?xml version="1.0" encoding="utf-8"?>
 <p:sld xmlns:a="http://schemas.openxmlformats.org/drawingml/2006/main" xmlns:r="http://schemas.openxmlformats.org/officeDocument/2006/relationships" xmlns:p="http://schemas.openxmlformats.org/presentationml/2006/main">
   <p:cSld>
     <p:spTree>
@@ -17647,7 +19923,7 @@
 </p:sld>
 </file>
 
-<file path=ppt/slides/slide22.xml><?xml version="1.0" encoding="utf-8"?>
+<file path=ppt/slides/slide25.xml><?xml version="1.0" encoding="utf-8"?>
 <p:sld xmlns:a="http://schemas.openxmlformats.org/drawingml/2006/main" xmlns:r="http://schemas.openxmlformats.org/officeDocument/2006/relationships" xmlns:p="http://schemas.openxmlformats.org/presentationml/2006/main">
   <p:cSld>
     <p:spTree>
@@ -18086,7 +20362,7 @@
 </p:sld>
 </file>
 
-<file path=ppt/slides/slide23.xml><?xml version="1.0" encoding="utf-8"?>
+<file path=ppt/slides/slide26.xml><?xml version="1.0" encoding="utf-8"?>
 <p:sld xmlns:a="http://schemas.openxmlformats.org/drawingml/2006/main" xmlns:r="http://schemas.openxmlformats.org/officeDocument/2006/relationships" xmlns:p="http://schemas.openxmlformats.org/presentationml/2006/main">
   <p:cSld>
     <p:spTree>
@@ -18510,7 +20786,7 @@
 </p:sld>
 </file>
 
-<file path=ppt/slides/slide24.xml><?xml version="1.0" encoding="utf-8"?>
+<file path=ppt/slides/slide27.xml><?xml version="1.0" encoding="utf-8"?>
 <p:sld xmlns:a="http://schemas.openxmlformats.org/drawingml/2006/main" xmlns:r="http://schemas.openxmlformats.org/officeDocument/2006/relationships" xmlns:p="http://schemas.openxmlformats.org/presentationml/2006/main">
   <p:cSld>
     <p:spTree>
@@ -18956,7 +21232,7 @@
 </p:sld>
 </file>
 
-<file path=ppt/slides/slide25.xml><?xml version="1.0" encoding="utf-8"?>
+<file path=ppt/slides/slide28.xml><?xml version="1.0" encoding="utf-8"?>
 <p:sld xmlns:a="http://schemas.openxmlformats.org/drawingml/2006/main" xmlns:r="http://schemas.openxmlformats.org/officeDocument/2006/relationships" xmlns:p="http://schemas.openxmlformats.org/presentationml/2006/main">
   <p:cSld>
     <p:spTree>
@@ -19536,7 +21812,7 @@
 </p:sld>
 </file>
 
-<file path=ppt/slides/slide26.xml><?xml version="1.0" encoding="utf-8"?>
+<file path=ppt/slides/slide29.xml><?xml version="1.0" encoding="utf-8"?>
 <p:sld xmlns:a="http://schemas.openxmlformats.org/drawingml/2006/main" xmlns:r="http://schemas.openxmlformats.org/officeDocument/2006/relationships" xmlns:p="http://schemas.openxmlformats.org/presentationml/2006/main">
   <p:cSld>
     <p:spTree>
@@ -23297,6 +25573,15 @@
 </file>
 
 <file path=customXml/item1.xml><?xml version="1.0" encoding="utf-8"?>
+<?mso-contentType ?>
+<FormTemplates xmlns="http://schemas.microsoft.com/sharepoint/v3/contenttype/forms">
+  <Display>DocumentLibraryForm</Display>
+  <Edit>DocumentLibraryForm</Edit>
+  <New>DocumentLibraryForm</New>
+</FormTemplates>
+</file>
+
+<file path=customXml/item2.xml><?xml version="1.0" encoding="utf-8"?>
 <ct:contentTypeSchema xmlns:ct="http://schemas.microsoft.com/office/2006/metadata/contentType" xmlns:ma="http://schemas.microsoft.com/office/2006/metadata/properties/metaAttributes" ct:_="" ma:_="" ma:contentTypeName="Document" ma:contentTypeID="0x01010025DCBA2BFE3E4B45B87B87F18EDC8DC1" ma:contentTypeVersion="12" ma:contentTypeDescription="Create a new document." ma:contentTypeScope="" ma:versionID="123f2967282356a67d96ff8951bae614">
   <xsd:schema xmlns:xsd="http://www.w3.org/2001/XMLSchema" xmlns:xs="http://www.w3.org/2001/XMLSchema" xmlns:p="http://schemas.microsoft.com/office/2006/metadata/properties" xmlns:ns2="ecead95d-892b-4918-83db-b420de9da345" xmlns:ns3="19f6d3fd-caee-42dd-a951-7a1f3458d463" targetNamespace="http://schemas.microsoft.com/office/2006/metadata/properties" ma:root="true" ma:fieldsID="85c5e0cf8bf09f1c4503477b23a43cdf" ns2:_="" ns3:_="">
     <xsd:import namespace="ecead95d-892b-4918-83db-b420de9da345"/>
@@ -23497,16 +25782,15 @@
 </ct:contentTypeSchema>
 </file>
 
-<file path=customXml/item2.xml><?xml version="1.0" encoding="utf-8"?>
-<?mso-contentType ?>
-<FormTemplates xmlns="http://schemas.microsoft.com/sharepoint/v3/contenttype/forms">
-  <Display>DocumentLibraryForm</Display>
-  <Edit>DocumentLibraryForm</Edit>
-  <New>DocumentLibraryForm</New>
-</FormTemplates>
+<file path=customXml/itemProps1.xml><?xml version="1.0" encoding="utf-8"?>
+<ds:datastoreItem xmlns:ds="http://schemas.openxmlformats.org/officeDocument/2006/customXml" ds:itemID="{221CEDEA-0C7B-4821-B9EC-4785D2337CD3}">
+  <ds:schemaRefs>
+    <ds:schemaRef ds:uri="http://schemas.microsoft.com/sharepoint/v3/contenttype/forms"/>
+  </ds:schemaRefs>
+</ds:datastoreItem>
 </file>
 
-<file path=customXml/itemProps1.xml><?xml version="1.0" encoding="utf-8"?>
+<file path=customXml/itemProps2.xml><?xml version="1.0" encoding="utf-8"?>
 <ds:datastoreItem xmlns:ds="http://schemas.openxmlformats.org/officeDocument/2006/customXml" ds:itemID="{8A919481-533A-4D6D-9178-78E73D54D63C}">
   <ds:schemaRefs>
     <ds:schemaRef ds:uri="19f6d3fd-caee-42dd-a951-7a1f3458d463"/>
@@ -23523,12 +25807,4 @@
     <ds:schemaRef ds:uri="http://www.w3.org/2001/XMLSchema"/>
   </ds:schemaRefs>
 </ds:datastoreItem>
-</file>
-
-<file path=customXml/itemProps2.xml><?xml version="1.0" encoding="utf-8"?>
-<ds:datastoreItem xmlns:ds="http://schemas.openxmlformats.org/officeDocument/2006/customXml" ds:itemID="{221CEDEA-0C7B-4821-B9EC-4785D2337CD3}">
-  <ds:schemaRefs>
-    <ds:schemaRef ds:uri="http://schemas.microsoft.com/sharepoint/v3/contenttype/forms"/>
-  </ds:schemaRefs>
-</ds:datastoreItem>
 </file>